--- a/LAST_TERM/2042_TranChiKha_ISS_MentorMentee_26G.pptx
+++ b/LAST_TERM/2042_TranChiKha_ISS_MentorMentee_26G.pptx
@@ -3746,7 +3746,7 @@
       </dgm:t>
     </dgm:pt>
     <dgm:pt modelId="{6DCD249F-24B7-4A35-925D-C4575101A2CF}" type="pres">
-      <dgm:prSet presAssocID="{C9EFAB6C-448A-4452-B8A4-CDD92479B2AD}" presName="node" presStyleLbl="vennNode1" presStyleIdx="1" presStyleCnt="5">
+      <dgm:prSet presAssocID="{C9EFAB6C-448A-4452-B8A4-CDD92479B2AD}" presName="node" presStyleLbl="vennNode1" presStyleIdx="1" presStyleCnt="5" custRadScaleRad="82157" custRadScaleInc="-1074">
         <dgm:presLayoutVars>
           <dgm:bulletEnabled val="1"/>
         </dgm:presLayoutVars>
@@ -3761,7 +3761,7 @@
       </dgm:t>
     </dgm:pt>
     <dgm:pt modelId="{E5596795-EE40-413E-A778-113D1D01792B}" type="pres">
-      <dgm:prSet presAssocID="{1BF41BD5-84F5-47A4-8E19-840C22DD92C5}" presName="node" presStyleLbl="vennNode1" presStyleIdx="2" presStyleCnt="5">
+      <dgm:prSet presAssocID="{1BF41BD5-84F5-47A4-8E19-840C22DD92C5}" presName="node" presStyleLbl="vennNode1" presStyleIdx="2" presStyleCnt="5" custRadScaleRad="90894" custRadScaleInc="410">
         <dgm:presLayoutVars>
           <dgm:bulletEnabled val="1"/>
         </dgm:presLayoutVars>
@@ -3776,7 +3776,7 @@
       </dgm:t>
     </dgm:pt>
     <dgm:pt modelId="{8610051F-9BEB-4B0B-BBDC-A95115E4C690}" type="pres">
-      <dgm:prSet presAssocID="{9A085B4A-42B7-4BEF-B304-504BCB379DD2}" presName="node" presStyleLbl="vennNode1" presStyleIdx="3" presStyleCnt="5">
+      <dgm:prSet presAssocID="{9A085B4A-42B7-4BEF-B304-504BCB379DD2}" presName="node" presStyleLbl="vennNode1" presStyleIdx="3" presStyleCnt="5" custRadScaleRad="73785" custRadScaleInc="1196">
         <dgm:presLayoutVars>
           <dgm:bulletEnabled val="1"/>
         </dgm:presLayoutVars>
@@ -3791,7 +3791,7 @@
       </dgm:t>
     </dgm:pt>
     <dgm:pt modelId="{B3F94706-098E-4ACF-9CE4-C9C6BBAC699B}" type="pres">
-      <dgm:prSet presAssocID="{642327FF-9FA1-495D-A034-1D4FD72B3761}" presName="node" presStyleLbl="vennNode1" presStyleIdx="4" presStyleCnt="5">
+      <dgm:prSet presAssocID="{642327FF-9FA1-495D-A034-1D4FD72B3761}" presName="node" presStyleLbl="vennNode1" presStyleIdx="4" presStyleCnt="5" custRadScaleRad="86444" custRadScaleInc="-432">
         <dgm:presLayoutVars>
           <dgm:bulletEnabled val="1"/>
         </dgm:presLayoutVars>
@@ -4147,9 +4147,6 @@
             </a:rPr>
             <a:t>11/2017</a:t>
           </a:r>
-          <a:endParaRPr lang="en-US" sz="900" b="1" dirty="0" smtClean="0">
-            <a:latin typeface="Arial (Body)"/>
-          </a:endParaRPr>
         </a:p>
         <a:p>
           <a:r>
@@ -4520,7 +4517,7 @@
         <a:p>
           <a:r>
             <a:rPr lang="en-US" sz="900" b="1" dirty="0" smtClean="0"/>
-            <a:t>11/2019</a:t>
+            <a:t>03/2019</a:t>
           </a:r>
           <a:r>
             <a:rPr lang="en-US" sz="900" b="1" dirty="0" smtClean="0"/>
@@ -4535,15 +4532,7 @@
                 <a:srgbClr val="0070C0"/>
               </a:solidFill>
             </a:rPr>
-            <a:t>Porting </a:t>
-          </a:r>
-          <a:r>
-            <a:rPr lang="en-US" sz="900" b="1" dirty="0" smtClean="0">
-              <a:solidFill>
-                <a:srgbClr val="0070C0"/>
-              </a:solidFill>
-            </a:rPr>
-            <a:t>Android P</a:t>
+            <a:t>Porting Android P</a:t>
           </a:r>
         </a:p>
         <a:p>
@@ -4849,7 +4838,21 @@
     </dgm:pt>
     <dgm:pt modelId="{0A4CFC25-04D2-4D32-96E7-E7363C46D026}" type="pres">
       <dgm:prSet presAssocID="{41510638-0E81-4FFF-B064-803E70D430CF}" presName="circleB" presStyleLbl="node1" presStyleIdx="5" presStyleCnt="8" custLinFactX="133325" custLinFactNeighborX="200000" custLinFactNeighborY="-5201"/>
-      <dgm:spPr/>
+      <dgm:spPr>
+        <a:blipFill rotWithShape="0">
+          <a:blip xmlns:r="http://schemas.openxmlformats.org/officeDocument/2006/relationships" r:embed="rId1"/>
+          <a:stretch>
+            <a:fillRect/>
+          </a:stretch>
+        </a:blipFill>
+      </dgm:spPr>
+      <dgm:t>
+        <a:bodyPr/>
+        <a:lstStyle/>
+        <a:p>
+          <a:endParaRPr lang="en-US"/>
+        </a:p>
+      </dgm:t>
     </dgm:pt>
     <dgm:pt modelId="{BF5CCC43-3484-4FEF-AF4D-6A7227E7C9EC}" type="pres">
       <dgm:prSet presAssocID="{41510638-0E81-4FFF-B064-803E70D430CF}" presName="spaceB" presStyleCnt="0"/>
@@ -4900,7 +4903,7 @@
       <dgm:spPr/>
     </dgm:pt>
     <dgm:pt modelId="{4533671E-EC5E-4AE7-9EE8-C2A84F1D5250}" type="pres">
-      <dgm:prSet presAssocID="{870BBA70-B3F5-419A-8E38-001E7519F507}" presName="textB" presStyleLbl="revTx" presStyleIdx="7" presStyleCnt="8" custScaleX="861580" custLinFactX="200000" custLinFactNeighborX="215228" custLinFactNeighborY="1789">
+      <dgm:prSet presAssocID="{870BBA70-B3F5-419A-8E38-001E7519F507}" presName="textB" presStyleLbl="revTx" presStyleIdx="7" presStyleCnt="8" custScaleX="861580" custLinFactX="-100000" custLinFactNeighborX="-148105" custLinFactNeighborY="-2204">
         <dgm:presLayoutVars>
           <dgm:bulletEnabled val="1"/>
         </dgm:presLayoutVars>
@@ -4915,8 +4918,13 @@
       </dgm:t>
     </dgm:pt>
     <dgm:pt modelId="{67158A6A-EE47-4DE2-9056-37DE17211ABA}" type="pres">
-      <dgm:prSet presAssocID="{870BBA70-B3F5-419A-8E38-001E7519F507}" presName="circleB" presStyleLbl="node1" presStyleIdx="7" presStyleCnt="8" custLinFactX="200000" custLinFactNeighborX="239148"/>
-      <dgm:spPr/>
+      <dgm:prSet presAssocID="{870BBA70-B3F5-419A-8E38-001E7519F507}" presName="circleB" presStyleLbl="node1" presStyleIdx="7" presStyleCnt="8" custFlipVert="0" custFlipHor="0" custScaleX="82259" custScaleY="107592" custLinFactX="-100000" custLinFactNeighborX="-108505" custLinFactNeighborY="-53041"/>
+      <dgm:spPr>
+        <a:noFill/>
+        <a:ln>
+          <a:noFill/>
+        </a:ln>
+      </dgm:spPr>
     </dgm:pt>
     <dgm:pt modelId="{3D433131-C6B8-4E00-8DD1-2B9DEE1F76B6}" type="pres">
       <dgm:prSet presAssocID="{870BBA70-B3F5-419A-8E38-001E7519F507}" presName="spaceB" presStyleCnt="0"/>
@@ -4924,23 +4932,23 @@
     </dgm:pt>
   </dgm:ptLst>
   <dgm:cxnLst>
+    <dgm:cxn modelId="{89548C39-F049-4A55-95F5-B0923E67C3EA}" type="presOf" srcId="{535C2CBE-EFFD-49CE-AF61-A44A41ED1B08}" destId="{47F94481-ADE3-404E-9FE8-3E7C8D4651F4}" srcOrd="0" destOrd="0" presId="urn:microsoft.com/office/officeart/2005/8/layout/hProcess11"/>
+    <dgm:cxn modelId="{943FF6F9-684E-49E1-96C0-3B7F46D71638}" type="presOf" srcId="{74974AD5-49BD-4ED5-B1F2-5AA34743B8DE}" destId="{0917593E-3E93-4F67-B3F2-F5C6665C4252}" srcOrd="0" destOrd="0" presId="urn:microsoft.com/office/officeart/2005/8/layout/hProcess11"/>
+    <dgm:cxn modelId="{0DF39EFD-209A-4621-A090-BDADCE8EC88B}" type="presOf" srcId="{583BF083-C45E-4AAC-92E6-03225674AAD0}" destId="{B78BDEFF-30D4-440D-B34F-3B4EDACFBD0E}" srcOrd="0" destOrd="0" presId="urn:microsoft.com/office/officeart/2005/8/layout/hProcess11"/>
+    <dgm:cxn modelId="{330E0617-4156-46BA-A8D3-3B74495A7F51}" srcId="{922B2C18-70B4-46A2-8353-31D6BC3567BD}" destId="{706D8F65-CD75-47BA-B5A0-5317D16AEA71}" srcOrd="0" destOrd="0" parTransId="{A9F0E09A-E471-46D0-9CE7-88A868FF60B0}" sibTransId="{D1166083-F0B8-4F5E-9E85-E315354FBC69}"/>
+    <dgm:cxn modelId="{CA2E0F55-21A3-44F6-A4E5-69E385CEA948}" srcId="{922B2C18-70B4-46A2-8353-31D6BC3567BD}" destId="{870BBA70-B3F5-419A-8E38-001E7519F507}" srcOrd="7" destOrd="0" parTransId="{31A5FDC7-5DD8-4DBB-9D43-D851129A4A67}" sibTransId="{39C9A8FE-AAC0-46AE-8CA6-B08DC0B418DC}"/>
+    <dgm:cxn modelId="{66216063-808C-408D-9DC0-696804C50421}" type="presOf" srcId="{922B2C18-70B4-46A2-8353-31D6BC3567BD}" destId="{0D23EF77-8D5E-4375-9167-14B4A2688CF8}" srcOrd="0" destOrd="0" presId="urn:microsoft.com/office/officeart/2005/8/layout/hProcess11"/>
     <dgm:cxn modelId="{9288ECEF-23B3-4AFC-8DC5-235B3A54E17F}" srcId="{922B2C18-70B4-46A2-8353-31D6BC3567BD}" destId="{41510638-0E81-4FFF-B064-803E70D430CF}" srcOrd="5" destOrd="0" parTransId="{8BE6BBBF-D337-4D68-8CEA-0ED91609C89B}" sibTransId="{2BDE97F3-3365-462A-AFC7-60B4FFCD7ECE}"/>
-    <dgm:cxn modelId="{CA2E0F55-21A3-44F6-A4E5-69E385CEA948}" srcId="{922B2C18-70B4-46A2-8353-31D6BC3567BD}" destId="{870BBA70-B3F5-419A-8E38-001E7519F507}" srcOrd="7" destOrd="0" parTransId="{31A5FDC7-5DD8-4DBB-9D43-D851129A4A67}" sibTransId="{39C9A8FE-AAC0-46AE-8CA6-B08DC0B418DC}"/>
-    <dgm:cxn modelId="{C207D593-91A1-43EC-B8DA-0589EE79B984}" srcId="{922B2C18-70B4-46A2-8353-31D6BC3567BD}" destId="{535C2CBE-EFFD-49CE-AF61-A44A41ED1B08}" srcOrd="2" destOrd="0" parTransId="{36A8FABE-14F1-4243-9625-9F72715EC813}" sibTransId="{0FB8FFB2-EA7D-44EE-99A3-9B4C9D6635C6}"/>
     <dgm:cxn modelId="{8BDFB1EA-60A1-4BAE-A66B-A04A6CB0ABFD}" srcId="{922B2C18-70B4-46A2-8353-31D6BC3567BD}" destId="{583BF083-C45E-4AAC-92E6-03225674AAD0}" srcOrd="1" destOrd="0" parTransId="{D6BC424F-04F7-47A5-B94E-E5EADCA0F48A}" sibTransId="{7A9FEC90-30A7-4D6D-A830-8E2E3C0F7C6D}"/>
-    <dgm:cxn modelId="{330E0617-4156-46BA-A8D3-3B74495A7F51}" srcId="{922B2C18-70B4-46A2-8353-31D6BC3567BD}" destId="{706D8F65-CD75-47BA-B5A0-5317D16AEA71}" srcOrd="0" destOrd="0" parTransId="{A9F0E09A-E471-46D0-9CE7-88A868FF60B0}" sibTransId="{D1166083-F0B8-4F5E-9E85-E315354FBC69}"/>
+    <dgm:cxn modelId="{66D407D2-2FBA-4A30-A7FF-C5B52BEB0C4A}" type="presOf" srcId="{706D8F65-CD75-47BA-B5A0-5317D16AEA71}" destId="{C8DC7CD8-80EB-4021-A334-CBD6E050D592}" srcOrd="0" destOrd="0" presId="urn:microsoft.com/office/officeart/2005/8/layout/hProcess11"/>
+    <dgm:cxn modelId="{07230A13-2FAB-479A-AE31-CA29208A0ACE}" type="presOf" srcId="{CE87A152-9230-49DC-BD19-3674DCDFD093}" destId="{021268B7-B362-4161-B60D-519F1C53B148}" srcOrd="0" destOrd="0" presId="urn:microsoft.com/office/officeart/2005/8/layout/hProcess11"/>
     <dgm:cxn modelId="{B8ECE220-6291-4547-978E-FB423D694985}" srcId="{922B2C18-70B4-46A2-8353-31D6BC3567BD}" destId="{2B7F8E4C-57E1-486E-BFAF-789C43552FEE}" srcOrd="4" destOrd="0" parTransId="{566BD8DF-63C4-4E0B-A4C6-32CF710694DE}" sibTransId="{5A0942BB-3BC2-4460-AF99-CEFDF5BA17B2}"/>
-    <dgm:cxn modelId="{943FF6F9-684E-49E1-96C0-3B7F46D71638}" type="presOf" srcId="{74974AD5-49BD-4ED5-B1F2-5AA34743B8DE}" destId="{0917593E-3E93-4F67-B3F2-F5C6665C4252}" srcOrd="0" destOrd="0" presId="urn:microsoft.com/office/officeart/2005/8/layout/hProcess11"/>
-    <dgm:cxn modelId="{66216063-808C-408D-9DC0-696804C50421}" type="presOf" srcId="{922B2C18-70B4-46A2-8353-31D6BC3567BD}" destId="{0D23EF77-8D5E-4375-9167-14B4A2688CF8}" srcOrd="0" destOrd="0" presId="urn:microsoft.com/office/officeart/2005/8/layout/hProcess11"/>
-    <dgm:cxn modelId="{89548C39-F049-4A55-95F5-B0923E67C3EA}" type="presOf" srcId="{535C2CBE-EFFD-49CE-AF61-A44A41ED1B08}" destId="{47F94481-ADE3-404E-9FE8-3E7C8D4651F4}" srcOrd="0" destOrd="0" presId="urn:microsoft.com/office/officeart/2005/8/layout/hProcess11"/>
-    <dgm:cxn modelId="{66D407D2-2FBA-4A30-A7FF-C5B52BEB0C4A}" type="presOf" srcId="{706D8F65-CD75-47BA-B5A0-5317D16AEA71}" destId="{C8DC7CD8-80EB-4021-A334-CBD6E050D592}" srcOrd="0" destOrd="0" presId="urn:microsoft.com/office/officeart/2005/8/layout/hProcess11"/>
     <dgm:cxn modelId="{9896BFF7-114F-46DB-99E9-558D5DB7048D}" srcId="{922B2C18-70B4-46A2-8353-31D6BC3567BD}" destId="{74974AD5-49BD-4ED5-B1F2-5AA34743B8DE}" srcOrd="3" destOrd="0" parTransId="{403313E5-DA72-4E34-BC13-04EE6E78E0E2}" sibTransId="{B93EDAE1-9E7B-4A21-84FC-51AB1E8F32B4}"/>
+    <dgm:cxn modelId="{F9CFE27B-02A2-4D56-96E8-7B6DD3C5D389}" type="presOf" srcId="{870BBA70-B3F5-419A-8E38-001E7519F507}" destId="{4533671E-EC5E-4AE7-9EE8-C2A84F1D5250}" srcOrd="0" destOrd="0" presId="urn:microsoft.com/office/officeart/2005/8/layout/hProcess11"/>
     <dgm:cxn modelId="{BD1BE7EE-4234-41D6-8765-B583CD28F338}" type="presOf" srcId="{2B7F8E4C-57E1-486E-BFAF-789C43552FEE}" destId="{B9BF2461-0AF6-4803-AA49-6A1786364331}" srcOrd="0" destOrd="0" presId="urn:microsoft.com/office/officeart/2005/8/layout/hProcess11"/>
     <dgm:cxn modelId="{5EA57F0A-0131-4FFB-AFEB-7F95A170FFC8}" srcId="{922B2C18-70B4-46A2-8353-31D6BC3567BD}" destId="{CE87A152-9230-49DC-BD19-3674DCDFD093}" srcOrd="6" destOrd="0" parTransId="{5EF29B11-B14A-4813-8082-960A4C9814AB}" sibTransId="{80119C89-5FB1-4085-9687-BC72EADAA84B}"/>
-    <dgm:cxn modelId="{0DF39EFD-209A-4621-A090-BDADCE8EC88B}" type="presOf" srcId="{583BF083-C45E-4AAC-92E6-03225674AAD0}" destId="{B78BDEFF-30D4-440D-B34F-3B4EDACFBD0E}" srcOrd="0" destOrd="0" presId="urn:microsoft.com/office/officeart/2005/8/layout/hProcess11"/>
-    <dgm:cxn modelId="{F9CFE27B-02A2-4D56-96E8-7B6DD3C5D389}" type="presOf" srcId="{870BBA70-B3F5-419A-8E38-001E7519F507}" destId="{4533671E-EC5E-4AE7-9EE8-C2A84F1D5250}" srcOrd="0" destOrd="0" presId="urn:microsoft.com/office/officeart/2005/8/layout/hProcess11"/>
+    <dgm:cxn modelId="{C207D593-91A1-43EC-B8DA-0589EE79B984}" srcId="{922B2C18-70B4-46A2-8353-31D6BC3567BD}" destId="{535C2CBE-EFFD-49CE-AF61-A44A41ED1B08}" srcOrd="2" destOrd="0" parTransId="{36A8FABE-14F1-4243-9625-9F72715EC813}" sibTransId="{0FB8FFB2-EA7D-44EE-99A3-9B4C9D6635C6}"/>
     <dgm:cxn modelId="{D1AAD39D-E316-4452-B131-F5BC0548D157}" type="presOf" srcId="{41510638-0E81-4FFF-B064-803E70D430CF}" destId="{977D8FBB-831C-43EA-AA1A-A312699FAF29}" srcOrd="0" destOrd="0" presId="urn:microsoft.com/office/officeart/2005/8/layout/hProcess11"/>
-    <dgm:cxn modelId="{07230A13-2FAB-479A-AE31-CA29208A0ACE}" type="presOf" srcId="{CE87A152-9230-49DC-BD19-3674DCDFD093}" destId="{021268B7-B362-4161-B60D-519F1C53B148}" srcOrd="0" destOrd="0" presId="urn:microsoft.com/office/officeart/2005/8/layout/hProcess11"/>
     <dgm:cxn modelId="{E1D03052-2D4A-4B70-887D-C24F30C09F17}" type="presParOf" srcId="{0D23EF77-8D5E-4375-9167-14B4A2688CF8}" destId="{0F1F36E8-D6B6-4AFF-BE6B-82752B685B57}" srcOrd="0" destOrd="0" presId="urn:microsoft.com/office/officeart/2005/8/layout/hProcess11"/>
     <dgm:cxn modelId="{FC262FF9-C5C1-4E74-ACBE-B7A2A1A1CFC7}" type="presParOf" srcId="{0D23EF77-8D5E-4375-9167-14B4A2688CF8}" destId="{99B7470A-0490-43D3-BA66-FBE72396A65F}" srcOrd="1" destOrd="0" presId="urn:microsoft.com/office/officeart/2005/8/layout/hProcess11"/>
     <dgm:cxn modelId="{C31EFF18-DAB2-4517-8171-04761581C7F9}" type="presParOf" srcId="{99B7470A-0490-43D3-BA66-FBE72396A65F}" destId="{6B1BC18D-E578-41E7-9932-6C4BEB6CC7D5}" srcOrd="0" destOrd="0" presId="urn:microsoft.com/office/officeart/2005/8/layout/hProcess11"/>
@@ -5240,7 +5248,7 @@
       </dsp:nvSpPr>
       <dsp:spPr>
         <a:xfrm>
-          <a:off x="2983690" y="620"/>
+          <a:off x="2952326" y="404670"/>
           <a:ext cx="1737474" cy="1737474"/>
         </a:xfrm>
         <a:prstGeom prst="ellipse">
@@ -5311,7 +5319,7 @@
         </a:p>
       </dsp:txBody>
       <dsp:txXfrm>
-        <a:off x="3238137" y="255067"/>
+        <a:off x="3206773" y="659117"/>
         <a:ext cx="1228580" cy="1228580"/>
       </dsp:txXfrm>
     </dsp:sp>
@@ -5322,7 +5330,7 @@
       </dsp:nvSpPr>
       <dsp:spPr>
         <a:xfrm>
-          <a:off x="5246681" y="2263610"/>
+          <a:off x="5040570" y="2276857"/>
           <a:ext cx="1737474" cy="1737474"/>
         </a:xfrm>
         <a:prstGeom prst="ellipse">
@@ -5393,7 +5401,7 @@
         </a:p>
       </dsp:txBody>
       <dsp:txXfrm>
-        <a:off x="5501128" y="2518057"/>
+        <a:off x="5295017" y="2531304"/>
         <a:ext cx="1228580" cy="1228580"/>
       </dsp:txXfrm>
     </dsp:sp>
@@ -5404,7 +5412,7 @@
       </dsp:nvSpPr>
       <dsp:spPr>
         <a:xfrm>
-          <a:off x="2983690" y="4526601"/>
+          <a:off x="2952323" y="3933063"/>
           <a:ext cx="1737474" cy="1737474"/>
         </a:xfrm>
         <a:prstGeom prst="ellipse">
@@ -5475,7 +5483,7 @@
         </a:p>
       </dsp:txBody>
       <dsp:txXfrm>
-        <a:off x="3238137" y="4781048"/>
+        <a:off x="3206770" y="4187510"/>
         <a:ext cx="1228580" cy="1228580"/>
       </dsp:txXfrm>
     </dsp:sp>
@@ -5486,7 +5494,7 @@
       </dsp:nvSpPr>
       <dsp:spPr>
         <a:xfrm>
-          <a:off x="720700" y="2263610"/>
+          <a:off x="1027516" y="2276885"/>
           <a:ext cx="1737474" cy="1737474"/>
         </a:xfrm>
         <a:prstGeom prst="ellipse">
@@ -5557,7 +5565,7 @@
         </a:p>
       </dsp:txBody>
       <dsp:txXfrm>
-        <a:off x="975147" y="2518057"/>
+        <a:off x="1281963" y="2531332"/>
         <a:ext cx="1228580" cy="1228580"/>
       </dsp:txXfrm>
     </dsp:sp>
@@ -6202,9 +6210,6 @@
             </a:rPr>
             <a:t>11/2017</a:t>
           </a:r>
-          <a:endParaRPr lang="en-US" sz="900" b="1" kern="1200" dirty="0" smtClean="0">
-            <a:latin typeface="Arial (Body)"/>
-          </a:endParaRPr>
         </a:p>
         <a:p>
           <a:pPr lvl="0" algn="ctr" defTabSz="400050">
@@ -6821,14 +6826,12 @@
         <a:prstGeom prst="ellipse">
           <a:avLst/>
         </a:prstGeom>
-        <a:solidFill>
-          <a:schemeClr val="accent1">
-            <a:hueOff val="0"/>
-            <a:satOff val="0"/>
-            <a:lumOff val="0"/>
-            <a:alphaOff val="0"/>
-          </a:schemeClr>
-        </a:solidFill>
+        <a:blipFill rotWithShape="0">
+          <a:blip xmlns:r="http://schemas.openxmlformats.org/officeDocument/2006/relationships" r:embed="rId1"/>
+          <a:stretch>
+            <a:fillRect/>
+          </a:stretch>
+        </a:blipFill>
         <a:ln w="25400" cap="flat" cmpd="sng" algn="ctr">
           <a:solidFill>
             <a:schemeClr val="lt1">
@@ -6955,7 +6958,7 @@
       </dsp:nvSpPr>
       <dsp:spPr>
         <a:xfrm>
-          <a:off x="9373289" y="1194133"/>
+          <a:off x="8236117" y="1176587"/>
           <a:ext cx="1477033" cy="796088"/>
         </a:xfrm>
         <a:prstGeom prst="rect">
@@ -6998,7 +7001,7 @@
           </a:pPr>
           <a:r>
             <a:rPr lang="en-US" sz="900" b="1" kern="1200" dirty="0" smtClean="0"/>
-            <a:t>11/2019</a:t>
+            <a:t>03/2019</a:t>
           </a:r>
           <a:r>
             <a:rPr lang="en-US" sz="900" b="1" kern="1200" dirty="0" smtClean="0"/>
@@ -7013,15 +7016,7 @@
                 <a:srgbClr val="0070C0"/>
               </a:solidFill>
             </a:rPr>
-            <a:t>Porting </a:t>
-          </a:r>
-          <a:r>
-            <a:rPr lang="en-US" sz="900" b="1" kern="1200" dirty="0" smtClean="0">
-              <a:solidFill>
-                <a:srgbClr val="0070C0"/>
-              </a:solidFill>
-            </a:rPr>
-            <a:t>Android P</a:t>
+            <a:t>Porting Android P</a:t>
           </a:r>
         </a:p>
         <a:p>
@@ -7048,7 +7043,7 @@
         </a:p>
       </dsp:txBody>
       <dsp:txXfrm>
-        <a:off x="9373289" y="1194133"/>
+        <a:off x="8236117" y="1176587"/>
         <a:ext cx="1477033" cy="796088"/>
       </dsp:txXfrm>
     </dsp:sp>
@@ -7059,29 +7054,15 @@
       </dsp:nvSpPr>
       <dsp:spPr>
         <a:xfrm>
-          <a:off x="10188253" y="909394"/>
-          <a:ext cx="199022" cy="171433"/>
+          <a:off x="8903140" y="811957"/>
+          <a:ext cx="163713" cy="184448"/>
         </a:xfrm>
         <a:prstGeom prst="ellipse">
           <a:avLst/>
         </a:prstGeom>
-        <a:solidFill>
-          <a:schemeClr val="accent1">
-            <a:hueOff val="0"/>
-            <a:satOff val="0"/>
-            <a:lumOff val="0"/>
-            <a:alphaOff val="0"/>
-          </a:schemeClr>
-        </a:solidFill>
+        <a:noFill/>
         <a:ln w="25400" cap="flat" cmpd="sng" algn="ctr">
-          <a:solidFill>
-            <a:schemeClr val="lt1">
-              <a:hueOff val="0"/>
-              <a:satOff val="0"/>
-              <a:lumOff val="0"/>
-              <a:alphaOff val="0"/>
-            </a:schemeClr>
-          </a:solidFill>
+          <a:noFill/>
           <a:prstDash val="solid"/>
         </a:ln>
         <a:effectLst/>
@@ -7201,8 +7182,8 @@
       </dsp:nvSpPr>
       <dsp:spPr>
         <a:xfrm flipH="1">
-          <a:off x="393832" y="496717"/>
-          <a:ext cx="716399" cy="539020"/>
+          <a:off x="393832" y="496741"/>
+          <a:ext cx="716399" cy="538716"/>
         </a:xfrm>
         <a:prstGeom prst="rect">
           <a:avLst/>
@@ -7267,8 +7248,8 @@
         </a:p>
       </dsp:txBody>
       <dsp:txXfrm>
-        <a:off x="393832" y="496717"/>
-        <a:ext cx="716399" cy="539020"/>
+        <a:off x="393832" y="496741"/>
+        <a:ext cx="716399" cy="538716"/>
       </dsp:txXfrm>
     </dsp:sp>
   </dsp:spTree>
@@ -13172,7 +13153,7 @@
           <a:p>
             <a:fld id="{6417C3E4-834A-4FDE-8876-3ED4986C368E}" type="datetimeFigureOut">
               <a:rPr lang="en-US" smtClean="0"/>
-              <a:t>11/5/2019</a:t>
+              <a:t>11/13/2019</a:t>
             </a:fld>
             <a:endParaRPr lang="en-US"/>
           </a:p>
@@ -28245,7 +28226,7 @@
         <p:grpSpPr>
           <a:xfrm>
             <a:off x="464196" y="1818819"/>
-            <a:ext cx="10747414" cy="1457781"/>
+            <a:ext cx="10747414" cy="1746728"/>
             <a:chOff x="464196" y="1818819"/>
             <a:chExt cx="10747414" cy="1457781"/>
           </a:xfrm>
@@ -28310,7 +28291,7 @@
               <a:r>
                 <a:rPr lang="en-US" sz="1400" dirty="0" err="1">
                   <a:solidFill>
-                    <a:srgbClr val="0070C0"/>
+                    <a:schemeClr val="tx1"/>
                   </a:solidFill>
                 </a:rPr>
                 <a:t>lauterbach</a:t>
@@ -28318,23 +28299,15 @@
               <a:r>
                 <a:rPr lang="en-US" sz="1400" dirty="0">
                   <a:solidFill>
-                    <a:srgbClr val="0070C0"/>
-                  </a:solidFill>
-                </a:rPr>
-                <a:t> debugger</a:t>
-              </a:r>
-              <a:r>
-                <a:rPr lang="en-US" sz="1400" dirty="0">
-                  <a:solidFill>
                     <a:schemeClr val="tx1"/>
                   </a:solidFill>
                 </a:rPr>
-                <a:t> to read/write runtime, non-runtime register to analyze and fix bugs, using </a:t>
+                <a:t> debugger to read/write runtime, non-runtime register to analyze and fix bugs, using </a:t>
               </a:r>
               <a:r>
                 <a:rPr lang="en-US" sz="1400" dirty="0" err="1">
                   <a:solidFill>
-                    <a:srgbClr val="0070C0"/>
+                    <a:schemeClr val="tx1"/>
                   </a:solidFill>
                 </a:rPr>
                 <a:t>PVR_tune</a:t>
@@ -28350,7 +28323,7 @@
               <a:r>
                 <a:rPr lang="en-US" sz="1400" dirty="0" err="1">
                   <a:solidFill>
-                    <a:srgbClr val="0070C0"/>
+                    <a:schemeClr val="tx1"/>
                   </a:solidFill>
                 </a:rPr>
                 <a:t>printk</a:t>
@@ -28358,7 +28331,7 @@
               <a:r>
                 <a:rPr lang="en-US" sz="1400" dirty="0">
                   <a:solidFill>
-                    <a:srgbClr val="0070C0"/>
+                    <a:schemeClr val="tx1"/>
                   </a:solidFill>
                 </a:rPr>
                 <a:t>, </a:t>
@@ -28366,7 +28339,7 @@
               <a:r>
                 <a:rPr lang="en-US" sz="1400" dirty="0" err="1">
                   <a:solidFill>
-                    <a:srgbClr val="0070C0"/>
+                    <a:schemeClr val="tx1"/>
                   </a:solidFill>
                 </a:rPr>
                 <a:t>pr_info</a:t>
@@ -28374,18 +28347,75 @@
               <a:r>
                 <a:rPr lang="en-US" sz="1400" dirty="0">
                   <a:solidFill>
+                    <a:schemeClr val="tx1"/>
+                  </a:solidFill>
+                </a:rPr>
+                <a:t> to debug simple issue on Linux…,etc</a:t>
+              </a:r>
+              <a:r>
+                <a:rPr lang="en-US" sz="1400" dirty="0" smtClean="0">
+                  <a:solidFill>
+                    <a:schemeClr val="tx1"/>
+                  </a:solidFill>
+                </a:rPr>
+                <a:t>.</a:t>
+              </a:r>
+            </a:p>
+            <a:p>
+              <a:pPr marL="285750" indent="-285750">
+                <a:spcAft>
+                  <a:spcPts val="400"/>
+                </a:spcAft>
+                <a:buFont typeface="Arial" panose="020B0604020202020204" pitchFamily="34" charset="0"/>
+                <a:buChar char="•"/>
+              </a:pPr>
+              <a:r>
+                <a:rPr lang="en-US" sz="1400" b="1" dirty="0" smtClean="0">
+                  <a:solidFill>
+                    <a:srgbClr val="0070C0"/>
+                  </a:solidFill>
+                </a:rPr>
+                <a:t>Good</a:t>
+              </a:r>
+              <a:r>
+                <a:rPr lang="en-US" sz="1400" dirty="0" smtClean="0">
+                  <a:solidFill>
                     <a:srgbClr val="0070C0"/>
                   </a:solidFill>
                 </a:rPr>
                 <a:t> </a:t>
               </a:r>
               <a:r>
-                <a:rPr lang="en-US" sz="1400" dirty="0">
+                <a:rPr lang="en-US" sz="1400" dirty="0" smtClean="0">
                   <a:solidFill>
                     <a:schemeClr val="tx1"/>
                   </a:solidFill>
                 </a:rPr>
-                <a:t>to debug simple issue on Linux…,etc</a:t>
+                <a:t>at </a:t>
+              </a:r>
+              <a:r>
+                <a:rPr lang="en-US" sz="1400" b="1" dirty="0" smtClean="0">
+                  <a:solidFill>
+                    <a:srgbClr val="0070C0"/>
+                  </a:solidFill>
+                </a:rPr>
+                <a:t>debugging</a:t>
+              </a:r>
+              <a:r>
+                <a:rPr lang="en-US" sz="1400" dirty="0" smtClean="0">
+                  <a:solidFill>
+                    <a:srgbClr val="0070C0"/>
+                  </a:solidFill>
+                </a:rPr>
+                <a:t> </a:t>
+              </a:r>
+              <a:r>
+                <a:rPr lang="en-US" sz="1400" dirty="0" smtClean="0">
+                  <a:solidFill>
+                    <a:schemeClr val="tx1"/>
+                  </a:solidFill>
+                </a:rPr>
+                <a:t>Android issues. Could suggest more ideas for debugging Android problem</a:t>
               </a:r>
               <a:r>
                 <a:rPr lang="en-US" sz="1400" dirty="0" smtClean="0">
@@ -28410,7 +28440,7 @@
                     <a:schemeClr val="tx1"/>
                   </a:solidFill>
                 </a:rPr>
-                <a:t>Good at debugging Android issues. Could suggest more ideas for debugging Android problem.</a:t>
+                <a:t>Could review and create basic test case to verify Android features.</a:t>
               </a:r>
               <a:endParaRPr lang="en-US" sz="1400" dirty="0" smtClean="0">
                 <a:solidFill>
@@ -28530,7 +28560,7 @@
         </p:nvGrpSpPr>
         <p:grpSpPr>
           <a:xfrm>
-            <a:off x="464196" y="3462741"/>
+            <a:off x="464196" y="3785740"/>
             <a:ext cx="10748588" cy="1643881"/>
             <a:chOff x="464196" y="3462741"/>
             <a:chExt cx="10748588" cy="1643881"/>
@@ -28946,7 +28976,7 @@
         </p:blipFill>
         <p:spPr>
           <a:xfrm>
-            <a:off x="1196384" y="3670259"/>
+            <a:off x="1190401" y="4005443"/>
             <a:ext cx="936104" cy="673135"/>
           </a:xfrm>
           <a:prstGeom prst="rect">
@@ -29239,21 +29269,8 @@
                   <a:schemeClr val="tx1"/>
                 </a:solidFill>
               </a:rPr>
-              <a:t> my idea clearly to others </a:t>
-            </a:r>
-            <a:r>
-              <a:rPr lang="en-US" sz="1400" dirty="0" smtClean="0">
-                <a:solidFill>
-                  <a:schemeClr val="tx1"/>
-                </a:solidFill>
-              </a:rPr>
-              <a:t>colleague.</a:t>
-            </a:r>
-            <a:endParaRPr lang="en-US" sz="1400" dirty="0" smtClean="0">
-              <a:solidFill>
-                <a:schemeClr val="tx1"/>
-              </a:solidFill>
-            </a:endParaRPr>
+              <a:t> my idea clearly to others colleague.</a:t>
+            </a:r>
           </a:p>
           <a:p>
             <a:pPr marL="171450" indent="-171450">
@@ -29271,11 +29288,6 @@
               </a:rPr>
               <a:t>Always try to discuss and support new members in their work. Especially for Android tasks.</a:t>
             </a:r>
-            <a:endParaRPr lang="en-US" sz="1400" dirty="0" smtClean="0">
-              <a:solidFill>
-                <a:schemeClr val="tx1"/>
-              </a:solidFill>
-            </a:endParaRPr>
           </a:p>
           <a:p>
             <a:pPr marL="171450" indent="-171450">
@@ -29307,47 +29319,7 @@
                   <a:schemeClr val="tx1"/>
                 </a:solidFill>
               </a:rPr>
-              <a:t>listening </a:t>
-            </a:r>
-            <a:r>
-              <a:rPr lang="en-US" sz="1400" dirty="0" smtClean="0">
-                <a:solidFill>
-                  <a:schemeClr val="tx1"/>
-                </a:solidFill>
-              </a:rPr>
-              <a:t>skill is acceptable. </a:t>
-            </a:r>
-            <a:r>
-              <a:rPr lang="en-US" sz="1400" dirty="0" smtClean="0">
-                <a:solidFill>
-                  <a:schemeClr val="tx1"/>
-                </a:solidFill>
-              </a:rPr>
-              <a:t>and </a:t>
-            </a:r>
-            <a:r>
-              <a:rPr lang="en-US" sz="1400" dirty="0" smtClean="0">
-                <a:solidFill>
-                  <a:schemeClr val="tx1"/>
-                </a:solidFill>
-              </a:rPr>
-              <a:t>writing skill </a:t>
-            </a:r>
-            <a:r>
-              <a:rPr lang="en-US" sz="1400" dirty="0" smtClean="0">
-                <a:solidFill>
-                  <a:schemeClr val="tx1"/>
-                </a:solidFill>
-              </a:rPr>
-              <a:t>still need to improve more</a:t>
-            </a:r>
-            <a:r>
-              <a:rPr lang="en-US" sz="1400" dirty="0" smtClean="0">
-                <a:solidFill>
-                  <a:schemeClr val="tx1"/>
-                </a:solidFill>
-              </a:rPr>
-              <a:t>.</a:t>
+              <a:t>listening skill is acceptable. and writing skill still need to improve more.</a:t>
             </a:r>
           </a:p>
         </p:txBody>
@@ -30176,7 +30148,7 @@
         <p:spPr>
           <a:xfrm>
             <a:off x="1080000" y="1800000"/>
-            <a:ext cx="10045200" cy="3032625"/>
+            <a:ext cx="10045200" cy="3069558"/>
           </a:xfrm>
         </p:spPr>
         <p:txBody>
@@ -30219,8 +30191,8 @@
               <a:t>Problem: </a:t>
             </a:r>
             <a:r>
-              <a:rPr lang="en-US" dirty="0" smtClean="0"/>
-              <a:t>The development environment is too big and complex. Especially for Android framework. I can not understand clearly about it.</a:t>
+              <a:rPr lang="en-US" sz="1800" dirty="0" smtClean="0"/>
+              <a:t>The development environment is too big and complex. Some Android parts (Android graphics, OMX) are close source.</a:t>
             </a:r>
           </a:p>
           <a:p>
@@ -30233,9 +30205,14 @@
               <a:t>Impact: </a:t>
             </a:r>
             <a:r>
-              <a:rPr lang="en-US" dirty="0" smtClean="0"/>
-              <a:t>For some bugs/issues, It requires deep knowledge. I must learn and investigate more to understand the structure of environment to analyze/fix issues.</a:t>
-            </a:r>
+              <a:rPr lang="en-US" sz="1800" dirty="0" smtClean="0"/>
+              <a:t>With some difficult issues, I must take more time to investigate whether it is issue from close parts and ask REL to suppor</a:t>
+            </a:r>
+            <a:r>
+              <a:rPr lang="en-US" sz="1800" dirty="0" smtClean="0"/>
+              <a:t>t.</a:t>
+            </a:r>
+            <a:endParaRPr lang="en-US" sz="1800" dirty="0" smtClean="0"/>
           </a:p>
           <a:p>
             <a:pPr marL="285750" indent="-285750">
@@ -30244,12 +30221,21 @@
             </a:pPr>
             <a:r>
               <a:rPr lang="en-US" sz="1800" b="1" dirty="0" smtClean="0"/>
-              <a:t>Mentor’s action items</a:t>
+              <a:t>Mentor’s </a:t>
+            </a:r>
+            <a:r>
+              <a:rPr lang="en-US" sz="1800" b="1" dirty="0" smtClean="0"/>
+              <a:t>action items</a:t>
             </a:r>
             <a:r>
               <a:rPr lang="en-US" dirty="0" smtClean="0"/>
-              <a:t>: Share debug tools, help to debug and share useful ways to debug easier.</a:t>
-            </a:r>
+              <a:t>: </a:t>
+            </a:r>
+            <a:r>
+              <a:rPr lang="en-US" dirty="0" smtClean="0"/>
+              <a:t>None</a:t>
+            </a:r>
+            <a:endParaRPr lang="en-US" dirty="0" smtClean="0"/>
           </a:p>
           <a:p>
             <a:pPr marL="285750" indent="-285750">
@@ -30258,12 +30244,17 @@
             </a:pPr>
             <a:r>
               <a:rPr lang="en-US" sz="1800" b="1" dirty="0" smtClean="0"/>
-              <a:t>Mentee’s action items: </a:t>
-            </a:r>
-            <a:r>
-              <a:rPr lang="en-US" dirty="0" smtClean="0"/>
-              <a:t>Spend a few hours to investigate each part of development environment to understand clearly.</a:t>
-            </a:r>
+              <a:t>Mentee’s action items</a:t>
+            </a:r>
+            <a:r>
+              <a:rPr lang="en-US" sz="1800" b="1" dirty="0" smtClean="0"/>
+              <a:t>: </a:t>
+            </a:r>
+            <a:r>
+              <a:rPr lang="en-US" sz="1800" dirty="0" smtClean="0"/>
+              <a:t>Create clear steps to investigate each issue/bug and also share method after each investigation.</a:t>
+            </a:r>
+            <a:endParaRPr lang="en-US" dirty="0" smtClean="0"/>
           </a:p>
         </p:txBody>
       </p:sp>
@@ -30410,7 +30401,11 @@
             </a:r>
             <a:r>
               <a:rPr lang="en-US" dirty="0" smtClean="0"/>
-              <a:t>Android has many tasks which should be done in a short time.</a:t>
+              <a:t>Android has many tasks which </a:t>
+            </a:r>
+            <a:r>
+              <a:rPr lang="en-US" dirty="0" smtClean="0"/>
+              <a:t>must be done</a:t>
             </a:r>
             <a:endParaRPr lang="en-US" dirty="0" smtClean="0"/>
           </a:p>
@@ -30427,7 +30422,6 @@
               <a:rPr lang="en-US" dirty="0" smtClean="0"/>
               <a:t>Sometimes, I feel overload and stress when working.</a:t>
             </a:r>
-            <a:endParaRPr lang="en-US" dirty="0" smtClean="0"/>
           </a:p>
           <a:p>
             <a:pPr marL="285750" indent="-285750">
@@ -30676,7 +30670,7 @@
           <a:p>
             <a:r>
               <a:rPr lang="en-US" dirty="0" smtClean="0"/>
-              <a:t>RESULT</a:t>
+              <a:t>NEXT PLAN</a:t>
             </a:r>
             <a:endParaRPr lang="en-US" dirty="0"/>
           </a:p>
@@ -30723,7 +30717,7 @@
         <p:spPr>
           <a:xfrm>
             <a:off x="816476" y="1599684"/>
-            <a:ext cx="11231197" cy="3562001"/>
+            <a:ext cx="11231197" cy="268279"/>
           </a:xfrm>
           <a:prstGeom prst="rect">
             <a:avLst/>
@@ -30737,121 +30731,7 @@
               <a:buFont typeface="Wingdings" panose="05000000000000000000" pitchFamily="2" charset="2"/>
               <a:buChar char="§"/>
             </a:pPr>
-            <a:r>
-              <a:rPr lang="en-US" sz="2400" b="1" dirty="0" smtClean="0">
-                <a:solidFill>
-                  <a:schemeClr val="accent2"/>
-                </a:solidFill>
-              </a:rPr>
-              <a:t>TARGET</a:t>
-            </a:r>
-            <a:endParaRPr lang="en-US" sz="2400" b="1" dirty="0">
-              <a:solidFill>
-                <a:schemeClr val="accent2"/>
-              </a:solidFill>
-            </a:endParaRPr>
-          </a:p>
-          <a:p>
-            <a:pPr marL="882650" lvl="3" indent="-342900">
-              <a:buFont typeface="Arial" panose="020B0604020202020204" pitchFamily="34" charset="0"/>
-              <a:buChar char="•"/>
-            </a:pPr>
-            <a:r>
-              <a:rPr lang="en-US" dirty="0" smtClean="0"/>
-              <a:t>Become coding engineer </a:t>
-            </a:r>
-            <a:r>
-              <a:rPr lang="en-US" sz="1800" b="1" dirty="0" smtClean="0">
-                <a:solidFill>
-                  <a:srgbClr val="FF0000"/>
-                </a:solidFill>
-              </a:rPr>
-              <a:t>level 2 </a:t>
-            </a:r>
-            <a:r>
-              <a:rPr lang="en-US" dirty="0" smtClean="0"/>
-              <a:t>by </a:t>
-            </a:r>
-            <a:r>
-              <a:rPr lang="en-US" sz="1800" b="1" dirty="0" smtClean="0">
-                <a:solidFill>
-                  <a:srgbClr val="FF0000"/>
-                </a:solidFill>
-              </a:rPr>
-              <a:t>Nov 2019</a:t>
-            </a:r>
-            <a:r>
-              <a:rPr lang="en-US" dirty="0" smtClean="0"/>
-              <a:t>.</a:t>
-            </a:r>
-          </a:p>
-          <a:p>
-            <a:pPr marL="569913" lvl="1" indent="-342900">
-              <a:buFont typeface="Wingdings" panose="05000000000000000000" pitchFamily="2" charset="2"/>
-              <a:buChar char="§"/>
-            </a:pPr>
-            <a:r>
-              <a:rPr lang="en-US" sz="2400" b="1" dirty="0" smtClean="0">
-                <a:solidFill>
-                  <a:schemeClr val="accent3"/>
-                </a:solidFill>
-              </a:rPr>
-              <a:t>ABILITIES AFTER 2 YEARS</a:t>
-            </a:r>
-          </a:p>
-          <a:p>
-            <a:pPr marL="882650" lvl="3" indent="-342900">
-              <a:buFont typeface="Arial" panose="020B0604020202020204" pitchFamily="34" charset="0"/>
-              <a:buChar char="•"/>
-            </a:pPr>
-            <a:r>
-              <a:rPr lang="en-US" dirty="0" smtClean="0"/>
-              <a:t>Can do and support all tasks related to Android in RZ/G now.</a:t>
-            </a:r>
-          </a:p>
-          <a:p>
-            <a:pPr marL="882650" lvl="3" indent="-342900">
-              <a:buFont typeface="Arial" panose="020B0604020202020204" pitchFamily="34" charset="0"/>
-              <a:buChar char="•"/>
-            </a:pPr>
-            <a:r>
-              <a:rPr lang="en-US" dirty="0" smtClean="0"/>
-              <a:t>Can do multiple tasks and also take time to train new members for Android tasks.</a:t>
-            </a:r>
-          </a:p>
-          <a:p>
-            <a:pPr marL="882650" lvl="3" indent="-342900">
-              <a:buFont typeface="Arial" panose="020B0604020202020204" pitchFamily="34" charset="0"/>
-              <a:buChar char="•"/>
-            </a:pPr>
-            <a:r>
-              <a:rPr lang="en-US" dirty="0" smtClean="0"/>
-              <a:t>Be able to share opinion and discuss about Android plan and work.</a:t>
-            </a:r>
-          </a:p>
-          <a:p>
-            <a:pPr marL="569913" lvl="1" indent="-342900">
-              <a:buFont typeface="Wingdings" panose="05000000000000000000" pitchFamily="2" charset="2"/>
-              <a:buChar char="§"/>
-            </a:pPr>
-            <a:r>
-              <a:rPr lang="en-US" sz="2400" b="1" dirty="0" smtClean="0">
-                <a:solidFill>
-                  <a:schemeClr val="accent4"/>
-                </a:solidFill>
-              </a:rPr>
-              <a:t>ACTION ITEMS</a:t>
-            </a:r>
-          </a:p>
-          <a:p>
-            <a:pPr marL="882650" lvl="3" indent="-342900">
-              <a:buFont typeface="Arial" panose="020B0604020202020204" pitchFamily="34" charset="0"/>
-              <a:buChar char="•"/>
-            </a:pPr>
-            <a:r>
-              <a:rPr lang="en-US" dirty="0" smtClean="0"/>
-              <a:t>Continue improving technical skills to give more effort to support Android team grow up.</a:t>
-            </a:r>
+            <a:endParaRPr lang="en-US" dirty="0" smtClean="0"/>
           </a:p>
         </p:txBody>
       </p:sp>
@@ -31476,7 +31356,7 @@
             <p:ph idx="1"/>
             <p:extLst>
               <p:ext uri="{D42A27DB-BD31-4B8C-83A1-F6EECF244321}">
-                <p14:modId xmlns:p14="http://schemas.microsoft.com/office/powerpoint/2010/main" val="3540227172"/>
+                <p14:modId xmlns:p14="http://schemas.microsoft.com/office/powerpoint/2010/main" val="884366797"/>
               </p:ext>
             </p:extLst>
           </p:nvPr>
@@ -32201,7 +32081,7 @@
             <p:ph idx="1"/>
             <p:extLst>
               <p:ext uri="{D42A27DB-BD31-4B8C-83A1-F6EECF244321}">
-                <p14:modId xmlns:p14="http://schemas.microsoft.com/office/powerpoint/2010/main" val="2500714853"/>
+                <p14:modId xmlns:p14="http://schemas.microsoft.com/office/powerpoint/2010/main" val="1403329294"/>
               </p:ext>
             </p:extLst>
           </p:nvPr>
@@ -32329,7 +32209,7 @@
         </p:nvSpPr>
         <p:spPr>
           <a:xfrm>
-            <a:off x="9457012" y="5733258"/>
+            <a:off x="8456354" y="5719670"/>
             <a:ext cx="1114408" cy="276999"/>
           </a:xfrm>
           <a:prstGeom prst="rect">
@@ -32354,14 +32234,12 @@
       <p:cxnSp>
         <p:nvCxnSpPr>
           <p:cNvPr id="37" name="Curved Connector 36"/>
-          <p:cNvCxnSpPr>
-            <a:stCxn id="36" idx="0"/>
-          </p:cNvCxnSpPr>
+          <p:cNvCxnSpPr/>
           <p:nvPr/>
         </p:nvCxnSpPr>
         <p:spPr>
           <a:xfrm rot="5400000" flipH="1" flipV="1">
-            <a:off x="10207703" y="5255947"/>
+            <a:off x="9172112" y="5226714"/>
             <a:ext cx="283824" cy="670798"/>
           </a:xfrm>
           <a:prstGeom prst="curvedConnector2">
@@ -32408,7 +32286,7 @@
         </p:blipFill>
         <p:spPr>
           <a:xfrm>
-            <a:off x="10776520" y="5068229"/>
+            <a:off x="9649423" y="4996490"/>
             <a:ext cx="963445" cy="1131246"/>
           </a:xfrm>
           <a:prstGeom prst="rect">
@@ -32842,6 +32720,51 @@
           </a:prstGeom>
         </p:spPr>
       </p:pic>
+      <p:sp>
+        <p:nvSpPr>
+          <p:cNvPr id="4" name="Oval 3"/>
+          <p:cNvSpPr/>
+          <p:nvPr/>
+        </p:nvSpPr>
+        <p:spPr>
+          <a:xfrm>
+            <a:off x="9385517" y="4160813"/>
+            <a:ext cx="142989" cy="187341"/>
+          </a:xfrm>
+          <a:prstGeom prst="ellipse">
+            <a:avLst/>
+          </a:prstGeom>
+          <a:ln>
+            <a:solidFill>
+              <a:schemeClr val="bg1"/>
+            </a:solidFill>
+          </a:ln>
+        </p:spPr>
+        <p:style>
+          <a:lnRef idx="2">
+            <a:schemeClr val="accent1">
+              <a:shade val="50000"/>
+            </a:schemeClr>
+          </a:lnRef>
+          <a:fillRef idx="1">
+            <a:schemeClr val="accent1"/>
+          </a:fillRef>
+          <a:effectRef idx="0">
+            <a:schemeClr val="accent1"/>
+          </a:effectRef>
+          <a:fontRef idx="minor">
+            <a:schemeClr val="lt1"/>
+          </a:fontRef>
+        </p:style>
+        <p:txBody>
+          <a:bodyPr rtlCol="0" anchor="ctr"/>
+          <a:lstStyle/>
+          <a:p>
+            <a:pPr algn="ctr"/>
+            <a:endParaRPr lang="en-US"/>
+          </a:p>
+        </p:txBody>
+      </p:sp>
     </p:spTree>
     <p:extLst>
       <p:ext uri="{BB962C8B-B14F-4D97-AF65-F5344CB8AC3E}">
@@ -32907,21 +32830,21 @@
                 <a:gridCol w="2225761">
                   <a:extLst>
                     <a:ext uri="{9D8B030D-6E8A-4147-A177-3AD203B41FA5}">
-                      <a16:colId xmlns:a16="http://schemas.microsoft.com/office/drawing/2014/main" val="20000"/>
+                      <a16:colId xmlns:a16="http://schemas.microsoft.com/office/drawing/2014/main" xmlns="" val="20000"/>
                     </a:ext>
                   </a:extLst>
                 </a:gridCol>
                 <a:gridCol w="2664296">
                   <a:extLst>
                     <a:ext uri="{9D8B030D-6E8A-4147-A177-3AD203B41FA5}">
-                      <a16:colId xmlns:a16="http://schemas.microsoft.com/office/drawing/2014/main" val="20001"/>
+                      <a16:colId xmlns:a16="http://schemas.microsoft.com/office/drawing/2014/main" xmlns="" val="20001"/>
                     </a:ext>
                   </a:extLst>
                 </a:gridCol>
                 <a:gridCol w="3860308">
                   <a:extLst>
                     <a:ext uri="{9D8B030D-6E8A-4147-A177-3AD203B41FA5}">
-                      <a16:colId xmlns:a16="http://schemas.microsoft.com/office/drawing/2014/main" val="20002"/>
+                      <a16:colId xmlns:a16="http://schemas.microsoft.com/office/drawing/2014/main" xmlns="" val="20002"/>
                     </a:ext>
                   </a:extLst>
                 </a:gridCol>
@@ -33031,7 +32954,7 @@
                 </a:tc>
                 <a:extLst>
                   <a:ext uri="{0D108BD9-81ED-4DB2-BD59-A6C34878D82A}">
-                    <a16:rowId xmlns:a16="http://schemas.microsoft.com/office/drawing/2014/main" val="10000"/>
+                    <a16:rowId xmlns:a16="http://schemas.microsoft.com/office/drawing/2014/main" xmlns="" val="10000"/>
                   </a:ext>
                 </a:extLst>
               </a:tr>
@@ -33067,21 +32990,21 @@
                 <a:gridCol w="2945841">
                   <a:extLst>
                     <a:ext uri="{9D8B030D-6E8A-4147-A177-3AD203B41FA5}">
-                      <a16:colId xmlns:a16="http://schemas.microsoft.com/office/drawing/2014/main" val="20000"/>
+                      <a16:colId xmlns:a16="http://schemas.microsoft.com/office/drawing/2014/main" xmlns="" val="20000"/>
                     </a:ext>
                   </a:extLst>
                 </a:gridCol>
                 <a:gridCol w="3240360">
                   <a:extLst>
                     <a:ext uri="{9D8B030D-6E8A-4147-A177-3AD203B41FA5}">
-                      <a16:colId xmlns:a16="http://schemas.microsoft.com/office/drawing/2014/main" val="20001"/>
+                      <a16:colId xmlns:a16="http://schemas.microsoft.com/office/drawing/2014/main" xmlns="" val="20001"/>
                     </a:ext>
                   </a:extLst>
                 </a:gridCol>
                 <a:gridCol w="2573523">
                   <a:extLst>
                     <a:ext uri="{9D8B030D-6E8A-4147-A177-3AD203B41FA5}">
-                      <a16:colId xmlns:a16="http://schemas.microsoft.com/office/drawing/2014/main" val="20002"/>
+                      <a16:colId xmlns:a16="http://schemas.microsoft.com/office/drawing/2014/main" xmlns="" val="20002"/>
                     </a:ext>
                   </a:extLst>
                 </a:gridCol>
@@ -33191,7 +33114,7 @@
                 </a:tc>
                 <a:extLst>
                   <a:ext uri="{0D108BD9-81ED-4DB2-BD59-A6C34878D82A}">
-                    <a16:rowId xmlns:a16="http://schemas.microsoft.com/office/drawing/2014/main" val="10000"/>
+                    <a16:rowId xmlns:a16="http://schemas.microsoft.com/office/drawing/2014/main" xmlns="" val="10000"/>
                   </a:ext>
                 </a:extLst>
               </a:tr>
@@ -33227,21 +33150,21 @@
                 <a:gridCol w="2937041">
                   <a:extLst>
                     <a:ext uri="{9D8B030D-6E8A-4147-A177-3AD203B41FA5}">
-                      <a16:colId xmlns:a16="http://schemas.microsoft.com/office/drawing/2014/main" val="20000"/>
+                      <a16:colId xmlns:a16="http://schemas.microsoft.com/office/drawing/2014/main" xmlns="" val="20000"/>
                     </a:ext>
                   </a:extLst>
                 </a:gridCol>
                 <a:gridCol w="3241996">
                   <a:extLst>
                     <a:ext uri="{9D8B030D-6E8A-4147-A177-3AD203B41FA5}">
-                      <a16:colId xmlns:a16="http://schemas.microsoft.com/office/drawing/2014/main" val="20001"/>
+                      <a16:colId xmlns:a16="http://schemas.microsoft.com/office/drawing/2014/main" xmlns="" val="20001"/>
                     </a:ext>
                   </a:extLst>
                 </a:gridCol>
                 <a:gridCol w="2579875">
                   <a:extLst>
                     <a:ext uri="{9D8B030D-6E8A-4147-A177-3AD203B41FA5}">
-                      <a16:colId xmlns:a16="http://schemas.microsoft.com/office/drawing/2014/main" val="20002"/>
+                      <a16:colId xmlns:a16="http://schemas.microsoft.com/office/drawing/2014/main" xmlns="" val="20002"/>
                     </a:ext>
                   </a:extLst>
                 </a:gridCol>
@@ -33351,7 +33274,7 @@
                 </a:tc>
                 <a:extLst>
                   <a:ext uri="{0D108BD9-81ED-4DB2-BD59-A6C34878D82A}">
-                    <a16:rowId xmlns:a16="http://schemas.microsoft.com/office/drawing/2014/main" val="10000"/>
+                    <a16:rowId xmlns:a16="http://schemas.microsoft.com/office/drawing/2014/main" xmlns="" val="10000"/>
                   </a:ext>
                 </a:extLst>
               </a:tr>
@@ -33368,7 +33291,7 @@
           <p:nvPr>
             <p:extLst>
               <p:ext uri="{D42A27DB-BD31-4B8C-83A1-F6EECF244321}">
-                <p14:modId xmlns:p14="http://schemas.microsoft.com/office/powerpoint/2010/main" val="3881766298"/>
+                <p14:modId xmlns:p14="http://schemas.microsoft.com/office/powerpoint/2010/main" val="4170378072"/>
               </p:ext>
             </p:extLst>
           </p:nvPr>
@@ -33387,21 +33310,21 @@
                 <a:gridCol w="2918185">
                   <a:extLst>
                     <a:ext uri="{9D8B030D-6E8A-4147-A177-3AD203B41FA5}">
-                      <a16:colId xmlns:a16="http://schemas.microsoft.com/office/drawing/2014/main" val="20000"/>
+                      <a16:colId xmlns:a16="http://schemas.microsoft.com/office/drawing/2014/main" xmlns="" val="20000"/>
                     </a:ext>
                   </a:extLst>
                 </a:gridCol>
-                <a:gridCol w="3196008">
+                <a:gridCol w="1971872">
                   <a:extLst>
                     <a:ext uri="{9D8B030D-6E8A-4147-A177-3AD203B41FA5}">
-                      <a16:colId xmlns:a16="http://schemas.microsoft.com/office/drawing/2014/main" val="20001"/>
+                      <a16:colId xmlns:a16="http://schemas.microsoft.com/office/drawing/2014/main" xmlns="" val="20001"/>
                     </a:ext>
                   </a:extLst>
                 </a:gridCol>
-                <a:gridCol w="2640365">
+                <a:gridCol w="3864501">
                   <a:extLst>
                     <a:ext uri="{9D8B030D-6E8A-4147-A177-3AD203B41FA5}">
-                      <a16:colId xmlns:a16="http://schemas.microsoft.com/office/drawing/2014/main" val="20002"/>
+                      <a16:colId xmlns:a16="http://schemas.microsoft.com/office/drawing/2014/main" xmlns="" val="20002"/>
                     </a:ext>
                   </a:extLst>
                 </a:gridCol>
@@ -33511,7 +33434,7 @@
                 </a:tc>
                 <a:extLst>
                   <a:ext uri="{0D108BD9-81ED-4DB2-BD59-A6C34878D82A}">
-                    <a16:rowId xmlns:a16="http://schemas.microsoft.com/office/drawing/2014/main" val="10000"/>
+                    <a16:rowId xmlns:a16="http://schemas.microsoft.com/office/drawing/2014/main" xmlns="" val="10000"/>
                   </a:ext>
                 </a:extLst>
               </a:tr>
@@ -34595,7 +34518,7 @@
                 <a:gridCol w="1884621">
                   <a:extLst>
                     <a:ext uri="{9D8B030D-6E8A-4147-A177-3AD203B41FA5}">
-                      <a16:colId xmlns:a16="http://schemas.microsoft.com/office/drawing/2014/main" val="20000"/>
+                      <a16:colId xmlns:a16="http://schemas.microsoft.com/office/drawing/2014/main" xmlns="" val="20000"/>
                     </a:ext>
                   </a:extLst>
                 </a:gridCol>
@@ -34630,7 +34553,7 @@
                 </a:tc>
                 <a:extLst>
                   <a:ext uri="{0D108BD9-81ED-4DB2-BD59-A6C34878D82A}">
-                    <a16:rowId xmlns:a16="http://schemas.microsoft.com/office/drawing/2014/main" val="10000"/>
+                    <a16:rowId xmlns:a16="http://schemas.microsoft.com/office/drawing/2014/main" xmlns="" val="10000"/>
                   </a:ext>
                 </a:extLst>
               </a:tr>
@@ -34666,7 +34589,7 @@
                 <a:gridCol w="2146057">
                   <a:extLst>
                     <a:ext uri="{9D8B030D-6E8A-4147-A177-3AD203B41FA5}">
-                      <a16:colId xmlns:a16="http://schemas.microsoft.com/office/drawing/2014/main" val="20000"/>
+                      <a16:colId xmlns:a16="http://schemas.microsoft.com/office/drawing/2014/main" xmlns="" val="20000"/>
                     </a:ext>
                   </a:extLst>
                 </a:gridCol>
@@ -34701,7 +34624,7 @@
                 </a:tc>
                 <a:extLst>
                   <a:ext uri="{0D108BD9-81ED-4DB2-BD59-A6C34878D82A}">
-                    <a16:rowId xmlns:a16="http://schemas.microsoft.com/office/drawing/2014/main" val="10000"/>
+                    <a16:rowId xmlns:a16="http://schemas.microsoft.com/office/drawing/2014/main" xmlns="" val="10000"/>
                   </a:ext>
                 </a:extLst>
               </a:tr>
@@ -34737,7 +34660,7 @@
                 <a:gridCol w="1598865">
                   <a:extLst>
                     <a:ext uri="{9D8B030D-6E8A-4147-A177-3AD203B41FA5}">
-                      <a16:colId xmlns:a16="http://schemas.microsoft.com/office/drawing/2014/main" val="20000"/>
+                      <a16:colId xmlns:a16="http://schemas.microsoft.com/office/drawing/2014/main" xmlns="" val="20000"/>
                     </a:ext>
                   </a:extLst>
                 </a:gridCol>
@@ -34772,7 +34695,7 @@
                 </a:tc>
                 <a:extLst>
                   <a:ext uri="{0D108BD9-81ED-4DB2-BD59-A6C34878D82A}">
-                    <a16:rowId xmlns:a16="http://schemas.microsoft.com/office/drawing/2014/main" val="10000"/>
+                    <a16:rowId xmlns:a16="http://schemas.microsoft.com/office/drawing/2014/main" xmlns="" val="10000"/>
                   </a:ext>
                 </a:extLst>
               </a:tr>
@@ -34846,7 +34769,7 @@
                 <a:gridCol w="2338108">
                   <a:extLst>
                     <a:ext uri="{9D8B030D-6E8A-4147-A177-3AD203B41FA5}">
-                      <a16:colId xmlns:a16="http://schemas.microsoft.com/office/drawing/2014/main" val="20000"/>
+                      <a16:colId xmlns:a16="http://schemas.microsoft.com/office/drawing/2014/main" xmlns="" val="20000"/>
                     </a:ext>
                   </a:extLst>
                 </a:gridCol>
@@ -34881,7 +34804,7 @@
                 </a:tc>
                 <a:extLst>
                   <a:ext uri="{0D108BD9-81ED-4DB2-BD59-A6C34878D82A}">
-                    <a16:rowId xmlns:a16="http://schemas.microsoft.com/office/drawing/2014/main" val="10000"/>
+                    <a16:rowId xmlns:a16="http://schemas.microsoft.com/office/drawing/2014/main" xmlns="" val="10000"/>
                   </a:ext>
                 </a:extLst>
               </a:tr>
@@ -35095,14 +35018,14 @@
                 <a:gridCol w="5431617">
                   <a:extLst>
                     <a:ext uri="{9D8B030D-6E8A-4147-A177-3AD203B41FA5}">
-                      <a16:colId xmlns:a16="http://schemas.microsoft.com/office/drawing/2014/main" val="1908171028"/>
+                      <a16:colId xmlns:a16="http://schemas.microsoft.com/office/drawing/2014/main" xmlns="" val="1908171028"/>
                     </a:ext>
                   </a:extLst>
                 </a:gridCol>
                 <a:gridCol w="1267229">
                   <a:extLst>
                     <a:ext uri="{9D8B030D-6E8A-4147-A177-3AD203B41FA5}">
-                      <a16:colId xmlns:a16="http://schemas.microsoft.com/office/drawing/2014/main" val="3500097369"/>
+                      <a16:colId xmlns:a16="http://schemas.microsoft.com/office/drawing/2014/main" xmlns="" val="3500097369"/>
                     </a:ext>
                   </a:extLst>
                 </a:gridCol>
@@ -35403,7 +35326,7 @@
                 </a:tc>
                 <a:extLst>
                   <a:ext uri="{0D108BD9-81ED-4DB2-BD59-A6C34878D82A}">
-                    <a16:rowId xmlns:a16="http://schemas.microsoft.com/office/drawing/2014/main" val="4174266385"/>
+                    <a16:rowId xmlns:a16="http://schemas.microsoft.com/office/drawing/2014/main" xmlns="" val="4174266385"/>
                   </a:ext>
                 </a:extLst>
               </a:tr>
@@ -35700,7 +35623,7 @@
                 </a:tc>
                 <a:extLst>
                   <a:ext uri="{0D108BD9-81ED-4DB2-BD59-A6C34878D82A}">
-                    <a16:rowId xmlns:a16="http://schemas.microsoft.com/office/drawing/2014/main" val="382788592"/>
+                    <a16:rowId xmlns:a16="http://schemas.microsoft.com/office/drawing/2014/main" xmlns="" val="382788592"/>
                   </a:ext>
                 </a:extLst>
               </a:tr>
@@ -36007,7 +35930,7 @@
                 </a:tc>
                 <a:extLst>
                   <a:ext uri="{0D108BD9-81ED-4DB2-BD59-A6C34878D82A}">
-                    <a16:rowId xmlns:a16="http://schemas.microsoft.com/office/drawing/2014/main" val="2749106390"/>
+                    <a16:rowId xmlns:a16="http://schemas.microsoft.com/office/drawing/2014/main" xmlns="" val="2749106390"/>
                   </a:ext>
                 </a:extLst>
               </a:tr>
@@ -36307,10 +36230,18 @@
               <a:r>
                 <a:rPr lang="en-US" sz="1400" dirty="0">
                   <a:solidFill>
-                    <a:srgbClr val="0070C0"/>
+                    <a:schemeClr val="tx1"/>
                   </a:solidFill>
                 </a:rPr>
-                <a:t>knowledge</a:t>
+                <a:t>knowledge about </a:t>
+              </a:r>
+              <a:r>
+                <a:rPr lang="en-US" sz="1400" dirty="0" smtClean="0">
+                  <a:solidFill>
+                    <a:schemeClr val="tx1"/>
+                  </a:solidFill>
+                </a:rPr>
+                <a:t>C language and </a:t>
               </a:r>
               <a:r>
                 <a:rPr lang="en-US" sz="1400" dirty="0">
@@ -36318,39 +36249,7 @@
                     <a:schemeClr val="tx1"/>
                   </a:solidFill>
                 </a:rPr>
-                <a:t> about </a:t>
-              </a:r>
-              <a:r>
-                <a:rPr lang="en-US" sz="1400" dirty="0" smtClean="0">
-                  <a:solidFill>
-                    <a:srgbClr val="0070C0"/>
-                  </a:solidFill>
-                </a:rPr>
-                <a:t>C</a:t>
-              </a:r>
-              <a:r>
-                <a:rPr lang="en-US" sz="1400" dirty="0" smtClean="0">
-                  <a:solidFill>
-                    <a:schemeClr val="tx1"/>
-                  </a:solidFill>
-                </a:rPr>
-                <a:t> language and </a:t>
-              </a:r>
-              <a:r>
-                <a:rPr lang="en-US" sz="1400" dirty="0">
-                  <a:solidFill>
-                    <a:srgbClr val="0070C0"/>
-                  </a:solidFill>
-                </a:rPr>
-                <a:t>bash scripts </a:t>
-              </a:r>
-              <a:r>
-                <a:rPr lang="en-US" sz="1400" dirty="0">
-                  <a:solidFill>
-                    <a:schemeClr val="tx1"/>
-                  </a:solidFill>
-                </a:rPr>
-                <a:t>when doing </a:t>
+                <a:t>bash scripts when doing </a:t>
               </a:r>
               <a:r>
                 <a:rPr lang="en-US" sz="1400" dirty="0" smtClean="0">
@@ -36383,15 +36282,7 @@
                     <a:srgbClr val="0070C0"/>
                   </a:solidFill>
                 </a:rPr>
-                <a:t>sufficient </a:t>
-              </a:r>
-              <a:r>
-                <a:rPr lang="en-US" sz="1400" b="1" dirty="0" smtClean="0">
-                  <a:solidFill>
-                    <a:srgbClr val="0070C0"/>
-                  </a:solidFill>
-                </a:rPr>
-                <a:t>knowledge</a:t>
+                <a:t>sufficient knowledge</a:t>
               </a:r>
               <a:r>
                 <a:rPr lang="en-US" sz="1400" dirty="0" smtClean="0">
@@ -36407,15 +36298,7 @@
                     <a:srgbClr val="0070C0"/>
                   </a:solidFill>
                 </a:rPr>
-                <a:t>C</a:t>
-              </a:r>
-              <a:r>
-                <a:rPr lang="en-US" sz="1400" dirty="0" smtClean="0">
-                  <a:solidFill>
-                    <a:srgbClr val="0070C0"/>
-                  </a:solidFill>
-                </a:rPr>
-                <a:t>++, Java</a:t>
+                <a:t>C++, Java</a:t>
               </a:r>
               <a:r>
                 <a:rPr lang="en-US" sz="1400" dirty="0" smtClean="0">
@@ -36440,7 +36323,104 @@
                     <a:schemeClr val="tx1"/>
                   </a:solidFill>
                 </a:rPr>
-                <a:t>Can develop simple Java application to improve Android OS.</a:t>
+                <a:t>Can develop simple Java application to improve Android OS</a:t>
+              </a:r>
+              <a:r>
+                <a:rPr lang="en-US" sz="1400" dirty="0" smtClean="0">
+                  <a:solidFill>
+                    <a:schemeClr val="tx1"/>
+                  </a:solidFill>
+                </a:rPr>
+                <a:t>.</a:t>
+              </a:r>
+            </a:p>
+            <a:p>
+              <a:pPr marL="285750" indent="-285750">
+                <a:spcAft>
+                  <a:spcPts val="400"/>
+                </a:spcAft>
+                <a:buFont typeface="Arial" panose="020B0604020202020204" pitchFamily="34" charset="0"/>
+                <a:buChar char="•"/>
+              </a:pPr>
+              <a:r>
+                <a:rPr lang="en-US" sz="1400" dirty="0" smtClean="0">
+                  <a:solidFill>
+                    <a:schemeClr val="tx1"/>
+                  </a:solidFill>
+                </a:rPr>
+                <a:t>Can </a:t>
+              </a:r>
+              <a:r>
+                <a:rPr lang="en-US" sz="1400" b="1" dirty="0" smtClean="0">
+                  <a:solidFill>
+                    <a:srgbClr val="0070C0"/>
+                  </a:solidFill>
+                </a:rPr>
+                <a:t>review</a:t>
+              </a:r>
+              <a:r>
+                <a:rPr lang="en-US" sz="1400" dirty="0" smtClean="0">
+                  <a:solidFill>
+                    <a:schemeClr val="tx1"/>
+                  </a:solidFill>
+                </a:rPr>
+                <a:t> and </a:t>
+              </a:r>
+              <a:r>
+                <a:rPr lang="en-US" sz="1400" b="1" dirty="0" smtClean="0">
+                  <a:solidFill>
+                    <a:srgbClr val="0070C0"/>
+                  </a:solidFill>
+                </a:rPr>
+                <a:t>improve</a:t>
+              </a:r>
+              <a:r>
+                <a:rPr lang="en-US" sz="1400" dirty="0" smtClean="0">
+                  <a:solidFill>
+                    <a:srgbClr val="0070C0"/>
+                  </a:solidFill>
+                </a:rPr>
+                <a:t> </a:t>
+              </a:r>
+              <a:r>
+                <a:rPr lang="en-US" sz="1400" dirty="0" smtClean="0">
+                  <a:solidFill>
+                    <a:schemeClr val="tx1"/>
+                  </a:solidFill>
+                </a:rPr>
+                <a:t>Android features like </a:t>
+              </a:r>
+              <a:r>
+                <a:rPr lang="en-US" sz="1400" b="1" dirty="0" smtClean="0">
+                  <a:solidFill>
+                    <a:srgbClr val="0070C0"/>
+                  </a:solidFill>
+                </a:rPr>
+                <a:t>Camera</a:t>
+              </a:r>
+              <a:r>
+                <a:rPr lang="en-US" sz="1400" dirty="0" smtClean="0">
+                  <a:solidFill>
+                    <a:schemeClr val="tx1"/>
+                  </a:solidFill>
+                </a:rPr>
+                <a:t>, </a:t>
+              </a:r>
+              <a:r>
+                <a:rPr lang="en-US" sz="1400" b="1" dirty="0" smtClean="0">
+                  <a:solidFill>
+                    <a:srgbClr val="0070C0"/>
+                  </a:solidFill>
+                </a:rPr>
+                <a:t>Bluetooth</a:t>
+              </a:r>
+              <a:r>
+                <a:rPr lang="en-US" sz="1400" dirty="0" smtClean="0">
+                  <a:solidFill>
+                    <a:schemeClr val="tx1"/>
+                  </a:solidFill>
+                </a:rPr>
+                <a:t>,…etc.</a:t>
               </a:r>
               <a:endParaRPr lang="en-US" sz="1400" dirty="0">
                 <a:solidFill>
@@ -36978,38 +36958,11 @@
               <a:r>
                 <a:rPr kumimoji="1" lang="en-US" sz="1400" dirty="0">
                   <a:solidFill>
-                    <a:srgbClr val="0070C0"/>
-                  </a:solidFill>
-                  <a:latin typeface="Arial (Body)"/>
-                </a:rPr>
-                <a:t>understand </a:t>
-              </a:r>
-              <a:r>
-                <a:rPr kumimoji="1" lang="en-US" sz="1400" dirty="0">
-                  <a:solidFill>
                     <a:schemeClr val="tx1"/>
                   </a:solidFill>
                   <a:latin typeface="Arial (Body)"/>
                 </a:rPr>
-                <a:t>and</a:t>
-              </a:r>
-              <a:r>
-                <a:rPr kumimoji="1" lang="en-US" sz="1400" dirty="0">
-                  <a:solidFill>
-                    <a:srgbClr val="0070C0"/>
-                  </a:solidFill>
-                  <a:latin typeface="Arial (Body)"/>
-                </a:rPr>
-                <a:t> modify </a:t>
-              </a:r>
-              <a:r>
-                <a:rPr kumimoji="1" lang="en-US" sz="1400" dirty="0">
-                  <a:solidFill>
-                    <a:schemeClr val="tx1"/>
-                  </a:solidFill>
-                  <a:latin typeface="Arial (Body)"/>
-                </a:rPr>
-                <a:t>recipes of </a:t>
+                <a:t>understand and modify recipes of </a:t>
               </a:r>
               <a:r>
                 <a:rPr kumimoji="1" lang="en-US" sz="1400" dirty="0" smtClean="0">
@@ -37072,7 +37025,43 @@
                   </a:solidFill>
                   <a:latin typeface="Arial (Body)"/>
                 </a:rPr>
-                <a:t>Understand whole RZ/G Android system: Kernel, bootloaders, device configuration, HAL,…etc. And have </a:t>
+                <a:t>Understand </a:t>
+              </a:r>
+              <a:r>
+                <a:rPr kumimoji="1" lang="en-US" sz="1400" b="1" dirty="0" smtClean="0">
+                  <a:solidFill>
+                    <a:srgbClr val="0070C0"/>
+                  </a:solidFill>
+                  <a:latin typeface="Arial (Body)"/>
+                </a:rPr>
+                <a:t>whole RZ/G Android system</a:t>
+              </a:r>
+              <a:r>
+                <a:rPr kumimoji="1" lang="en-US" sz="1400" dirty="0" smtClean="0">
+                  <a:solidFill>
+                    <a:schemeClr val="tx1"/>
+                  </a:solidFill>
+                  <a:latin typeface="Arial (Body)"/>
+                </a:rPr>
+                <a:t>: Kernel, bootloaders, device configuration, HAL,…etc. </a:t>
+              </a:r>
+              <a:r>
+                <a:rPr kumimoji="1" lang="en-US" sz="1400" dirty="0">
+                  <a:solidFill>
+                    <a:schemeClr val="tx1"/>
+                  </a:solidFill>
+                  <a:latin typeface="Arial (Body)"/>
+                </a:rPr>
+                <a:t>H</a:t>
+              </a:r>
+              <a:r>
+                <a:rPr kumimoji="1" lang="en-US" sz="1400" dirty="0" smtClean="0">
+                  <a:solidFill>
+                    <a:schemeClr val="tx1"/>
+                  </a:solidFill>
+                  <a:latin typeface="Arial (Body)"/>
+                </a:rPr>
+                <a:t>ave </a:t>
               </a:r>
               <a:r>
                 <a:rPr lang="en-US" sz="1400" b="1" dirty="0" smtClean="0">
@@ -37107,6 +37096,66 @@
                 </a:rPr>
                 <a:t> </a:t>
               </a:r>
+              <a:r>
+                <a:rPr kumimoji="1" lang="en-US" sz="1400" dirty="0" smtClean="0">
+                  <a:solidFill>
+                    <a:schemeClr val="tx1"/>
+                  </a:solidFill>
+                  <a:latin typeface="Arial (Body)"/>
+                </a:rPr>
+                <a:t>Can </a:t>
+              </a:r>
+              <a:r>
+                <a:rPr kumimoji="1" lang="en-US" sz="1400" b="1" dirty="0" smtClean="0">
+                  <a:solidFill>
+                    <a:srgbClr val="0070C0"/>
+                  </a:solidFill>
+                  <a:latin typeface="Arial (Body)"/>
+                </a:rPr>
+                <a:t>guide</a:t>
+              </a:r>
+              <a:r>
+                <a:rPr kumimoji="1" lang="en-US" sz="1400" dirty="0" smtClean="0">
+                  <a:solidFill>
+                    <a:schemeClr val="tx1"/>
+                  </a:solidFill>
+                  <a:latin typeface="Arial (Body)"/>
+                </a:rPr>
+                <a:t> and </a:t>
+              </a:r>
+              <a:r>
+                <a:rPr kumimoji="1" lang="en-US" sz="1400" b="1" dirty="0" smtClean="0">
+                  <a:solidFill>
+                    <a:srgbClr val="0070C0"/>
+                  </a:solidFill>
+                  <a:latin typeface="Arial (Body)"/>
+                </a:rPr>
+                <a:t>support</a:t>
+              </a:r>
+              <a:r>
+                <a:rPr kumimoji="1" lang="en-US" sz="1400" dirty="0" smtClean="0">
+                  <a:solidFill>
+                    <a:srgbClr val="0070C0"/>
+                  </a:solidFill>
+                  <a:latin typeface="Arial (Body)"/>
+                </a:rPr>
+                <a:t> </a:t>
+              </a:r>
+              <a:r>
+                <a:rPr kumimoji="1" lang="en-US" sz="1400" dirty="0" smtClean="0">
+                  <a:solidFill>
+                    <a:schemeClr val="tx1"/>
+                  </a:solidFill>
+                  <a:latin typeface="Arial (Body)"/>
+                </a:rPr>
+                <a:t>new members in their Android tasks.</a:t>
+              </a:r>
+              <a:endParaRPr kumimoji="1" lang="en-US" sz="1400" dirty="0" smtClean="0">
+                <a:solidFill>
+                  <a:schemeClr val="tx1"/>
+                </a:solidFill>
+                <a:latin typeface="Arial (Body)"/>
+              </a:endParaRPr>
             </a:p>
           </p:txBody>
         </p:sp>

--- a/LAST_TERM/2042_TranChiKha_ISS_MentorMentee_26G.pptx
+++ b/LAST_TERM/2042_TranChiKha_ISS_MentorMentee_26G.pptx
@@ -4518,10 +4518,6 @@
           <a:r>
             <a:rPr lang="en-US" sz="900" b="1" dirty="0" smtClean="0"/>
             <a:t>03/2019</a:t>
-          </a:r>
-          <a:r>
-            <a:rPr lang="en-US" sz="900" b="1" dirty="0" smtClean="0"/>
-            <a:t/>
           </a:r>
           <a:br>
             <a:rPr lang="en-US" sz="900" b="1" dirty="0" smtClean="0"/>
@@ -7003,10 +6999,6 @@
             <a:rPr lang="en-US" sz="900" b="1" kern="1200" dirty="0" smtClean="0"/>
             <a:t>03/2019</a:t>
           </a:r>
-          <a:r>
-            <a:rPr lang="en-US" sz="900" b="1" kern="1200" dirty="0" smtClean="0"/>
-            <a:t/>
-          </a:r>
           <a:br>
             <a:rPr lang="en-US" sz="900" b="1" kern="1200" dirty="0" smtClean="0"/>
           </a:br>
@@ -7182,8 +7174,8 @@
       </dsp:nvSpPr>
       <dsp:spPr>
         <a:xfrm flipH="1">
-          <a:off x="393832" y="496741"/>
-          <a:ext cx="716399" cy="538716"/>
+          <a:off x="393832" y="496717"/>
+          <a:ext cx="716399" cy="539020"/>
         </a:xfrm>
         <a:prstGeom prst="rect">
           <a:avLst/>
@@ -7248,8 +7240,8 @@
         </a:p>
       </dsp:txBody>
       <dsp:txXfrm>
-        <a:off x="393832" y="496741"/>
-        <a:ext cx="716399" cy="538716"/>
+        <a:off x="393832" y="496717"/>
+        <a:ext cx="716399" cy="539020"/>
       </dsp:txXfrm>
     </dsp:sp>
   </dsp:spTree>
@@ -13153,7 +13145,7 @@
           <a:p>
             <a:fld id="{6417C3E4-834A-4FDE-8876-3ED4986C368E}" type="datetimeFigureOut">
               <a:rPr lang="en-US" smtClean="0"/>
-              <a:t>11/13/2019</a:t>
+              <a:t>11/14/2019</a:t>
             </a:fld>
             <a:endParaRPr lang="en-US"/>
           </a:p>
@@ -28415,15 +28407,7 @@
                     <a:schemeClr val="tx1"/>
                   </a:solidFill>
                 </a:rPr>
-                <a:t>Android issues. Could suggest more ideas for debugging Android problem</a:t>
-              </a:r>
-              <a:r>
-                <a:rPr lang="en-US" sz="1400" dirty="0" smtClean="0">
-                  <a:solidFill>
-                    <a:schemeClr val="tx1"/>
-                  </a:solidFill>
-                </a:rPr>
-                <a:t>.</a:t>
+                <a:t>Android issues. Could suggest more ideas for debugging Android problem.</a:t>
               </a:r>
             </a:p>
             <a:p>
@@ -28442,11 +28426,6 @@
                 </a:rPr>
                 <a:t>Could review and create basic test case to verify Android features.</a:t>
               </a:r>
-              <a:endParaRPr lang="en-US" sz="1400" dirty="0" smtClean="0">
-                <a:solidFill>
-                  <a:schemeClr val="tx1"/>
-                </a:solidFill>
-              </a:endParaRPr>
             </a:p>
           </p:txBody>
         </p:sp>
@@ -30206,13 +30185,8 @@
             </a:r>
             <a:r>
               <a:rPr lang="en-US" sz="1800" dirty="0" smtClean="0"/>
-              <a:t>With some difficult issues, I must take more time to investigate whether it is issue from close parts and ask REL to suppor</a:t>
-            </a:r>
-            <a:r>
-              <a:rPr lang="en-US" sz="1800" dirty="0" smtClean="0"/>
-              <a:t>t.</a:t>
-            </a:r>
-            <a:endParaRPr lang="en-US" sz="1800" dirty="0" smtClean="0"/>
+              <a:t>With some difficult issues, I must take more time to investigate whether it is issue from close parts and ask REL to support.</a:t>
+            </a:r>
           </a:p>
           <a:p>
             <a:pPr marL="285750" indent="-285750">
@@ -30221,21 +30195,12 @@
             </a:pPr>
             <a:r>
               <a:rPr lang="en-US" sz="1800" b="1" dirty="0" smtClean="0"/>
-              <a:t>Mentor’s </a:t>
-            </a:r>
-            <a:r>
-              <a:rPr lang="en-US" sz="1800" b="1" dirty="0" smtClean="0"/>
-              <a:t>action items</a:t>
+              <a:t>Mentor’s action items</a:t>
             </a:r>
             <a:r>
               <a:rPr lang="en-US" dirty="0" smtClean="0"/>
-              <a:t>: </a:t>
-            </a:r>
-            <a:r>
-              <a:rPr lang="en-US" dirty="0" smtClean="0"/>
-              <a:t>None</a:t>
-            </a:r>
-            <a:endParaRPr lang="en-US" dirty="0" smtClean="0"/>
+              <a:t>: None</a:t>
+            </a:r>
           </a:p>
           <a:p>
             <a:pPr marL="285750" indent="-285750">
@@ -30244,15 +30209,15 @@
             </a:pPr>
             <a:r>
               <a:rPr lang="en-US" sz="1800" b="1" dirty="0" smtClean="0"/>
-              <a:t>Mentee’s action items</a:t>
-            </a:r>
-            <a:r>
-              <a:rPr lang="en-US" sz="1800" b="1" dirty="0" smtClean="0"/>
-              <a:t>: </a:t>
+              <a:t>Mentee’s action items: </a:t>
             </a:r>
             <a:r>
               <a:rPr lang="en-US" sz="1800" dirty="0" smtClean="0"/>
-              <a:t>Create clear steps to investigate each issue/bug and also share method after each investigation.</a:t>
+              <a:t>Create a plan with </a:t>
+            </a:r>
+            <a:r>
+              <a:rPr lang="en-US" sz="1800" dirty="0" smtClean="0"/>
+              <a:t>clear steps to investigate each issue/bug and also share method after each investigation.</a:t>
             </a:r>
             <a:endParaRPr lang="en-US" dirty="0" smtClean="0"/>
           </a:p>
@@ -30360,7 +30325,7 @@
         <p:spPr>
           <a:xfrm>
             <a:off x="1080000" y="1800000"/>
-            <a:ext cx="10045200" cy="2958759"/>
+            <a:ext cx="10045200" cy="3254224"/>
           </a:xfrm>
         </p:spPr>
         <p:txBody>
@@ -30401,11 +30366,11 @@
             </a:r>
             <a:r>
               <a:rPr lang="en-US" dirty="0" smtClean="0"/>
-              <a:t>Android has many tasks which </a:t>
+              <a:t>Android has many tasks which must be </a:t>
             </a:r>
             <a:r>
               <a:rPr lang="en-US" dirty="0" smtClean="0"/>
-              <a:t>must be done</a:t>
+              <a:t>done. But the current resource may NOT enough to adapt.</a:t>
             </a:r>
             <a:endParaRPr lang="en-US" dirty="0" smtClean="0"/>
           </a:p>
@@ -30420,8 +30385,9 @@
             </a:r>
             <a:r>
               <a:rPr lang="en-US" dirty="0" smtClean="0"/>
-              <a:t>Sometimes, I feel overload and stress when working.</a:t>
-            </a:r>
+              <a:t>I feel stress after working with many tasks for a long time.</a:t>
+            </a:r>
+            <a:endParaRPr lang="en-US" dirty="0" smtClean="0"/>
           </a:p>
           <a:p>
             <a:pPr marL="285750" indent="-285750">
@@ -32830,21 +32796,21 @@
                 <a:gridCol w="2225761">
                   <a:extLst>
                     <a:ext uri="{9D8B030D-6E8A-4147-A177-3AD203B41FA5}">
-                      <a16:colId xmlns:a16="http://schemas.microsoft.com/office/drawing/2014/main" xmlns="" val="20000"/>
+                      <a16:colId xmlns:a16="http://schemas.microsoft.com/office/drawing/2014/main" val="20000"/>
                     </a:ext>
                   </a:extLst>
                 </a:gridCol>
                 <a:gridCol w="2664296">
                   <a:extLst>
                     <a:ext uri="{9D8B030D-6E8A-4147-A177-3AD203B41FA5}">
-                      <a16:colId xmlns:a16="http://schemas.microsoft.com/office/drawing/2014/main" xmlns="" val="20001"/>
+                      <a16:colId xmlns:a16="http://schemas.microsoft.com/office/drawing/2014/main" val="20001"/>
                     </a:ext>
                   </a:extLst>
                 </a:gridCol>
                 <a:gridCol w="3860308">
                   <a:extLst>
                     <a:ext uri="{9D8B030D-6E8A-4147-A177-3AD203B41FA5}">
-                      <a16:colId xmlns:a16="http://schemas.microsoft.com/office/drawing/2014/main" xmlns="" val="20002"/>
+                      <a16:colId xmlns:a16="http://schemas.microsoft.com/office/drawing/2014/main" val="20002"/>
                     </a:ext>
                   </a:extLst>
                 </a:gridCol>
@@ -32954,7 +32920,7 @@
                 </a:tc>
                 <a:extLst>
                   <a:ext uri="{0D108BD9-81ED-4DB2-BD59-A6C34878D82A}">
-                    <a16:rowId xmlns:a16="http://schemas.microsoft.com/office/drawing/2014/main" xmlns="" val="10000"/>
+                    <a16:rowId xmlns:a16="http://schemas.microsoft.com/office/drawing/2014/main" val="10000"/>
                   </a:ext>
                 </a:extLst>
               </a:tr>
@@ -32990,21 +32956,21 @@
                 <a:gridCol w="2945841">
                   <a:extLst>
                     <a:ext uri="{9D8B030D-6E8A-4147-A177-3AD203B41FA5}">
-                      <a16:colId xmlns:a16="http://schemas.microsoft.com/office/drawing/2014/main" xmlns="" val="20000"/>
+                      <a16:colId xmlns:a16="http://schemas.microsoft.com/office/drawing/2014/main" val="20000"/>
                     </a:ext>
                   </a:extLst>
                 </a:gridCol>
                 <a:gridCol w="3240360">
                   <a:extLst>
                     <a:ext uri="{9D8B030D-6E8A-4147-A177-3AD203B41FA5}">
-                      <a16:colId xmlns:a16="http://schemas.microsoft.com/office/drawing/2014/main" xmlns="" val="20001"/>
+                      <a16:colId xmlns:a16="http://schemas.microsoft.com/office/drawing/2014/main" val="20001"/>
                     </a:ext>
                   </a:extLst>
                 </a:gridCol>
                 <a:gridCol w="2573523">
                   <a:extLst>
                     <a:ext uri="{9D8B030D-6E8A-4147-A177-3AD203B41FA5}">
-                      <a16:colId xmlns:a16="http://schemas.microsoft.com/office/drawing/2014/main" xmlns="" val="20002"/>
+                      <a16:colId xmlns:a16="http://schemas.microsoft.com/office/drawing/2014/main" val="20002"/>
                     </a:ext>
                   </a:extLst>
                 </a:gridCol>
@@ -33114,7 +33080,7 @@
                 </a:tc>
                 <a:extLst>
                   <a:ext uri="{0D108BD9-81ED-4DB2-BD59-A6C34878D82A}">
-                    <a16:rowId xmlns:a16="http://schemas.microsoft.com/office/drawing/2014/main" xmlns="" val="10000"/>
+                    <a16:rowId xmlns:a16="http://schemas.microsoft.com/office/drawing/2014/main" val="10000"/>
                   </a:ext>
                 </a:extLst>
               </a:tr>
@@ -33150,21 +33116,21 @@
                 <a:gridCol w="2937041">
                   <a:extLst>
                     <a:ext uri="{9D8B030D-6E8A-4147-A177-3AD203B41FA5}">
-                      <a16:colId xmlns:a16="http://schemas.microsoft.com/office/drawing/2014/main" xmlns="" val="20000"/>
+                      <a16:colId xmlns:a16="http://schemas.microsoft.com/office/drawing/2014/main" val="20000"/>
                     </a:ext>
                   </a:extLst>
                 </a:gridCol>
                 <a:gridCol w="3241996">
                   <a:extLst>
                     <a:ext uri="{9D8B030D-6E8A-4147-A177-3AD203B41FA5}">
-                      <a16:colId xmlns:a16="http://schemas.microsoft.com/office/drawing/2014/main" xmlns="" val="20001"/>
+                      <a16:colId xmlns:a16="http://schemas.microsoft.com/office/drawing/2014/main" val="20001"/>
                     </a:ext>
                   </a:extLst>
                 </a:gridCol>
                 <a:gridCol w="2579875">
                   <a:extLst>
                     <a:ext uri="{9D8B030D-6E8A-4147-A177-3AD203B41FA5}">
-                      <a16:colId xmlns:a16="http://schemas.microsoft.com/office/drawing/2014/main" xmlns="" val="20002"/>
+                      <a16:colId xmlns:a16="http://schemas.microsoft.com/office/drawing/2014/main" val="20002"/>
                     </a:ext>
                   </a:extLst>
                 </a:gridCol>
@@ -33274,7 +33240,7 @@
                 </a:tc>
                 <a:extLst>
                   <a:ext uri="{0D108BD9-81ED-4DB2-BD59-A6C34878D82A}">
-                    <a16:rowId xmlns:a16="http://schemas.microsoft.com/office/drawing/2014/main" xmlns="" val="10000"/>
+                    <a16:rowId xmlns:a16="http://schemas.microsoft.com/office/drawing/2014/main" val="10000"/>
                   </a:ext>
                 </a:extLst>
               </a:tr>
@@ -33310,21 +33276,21 @@
                 <a:gridCol w="2918185">
                   <a:extLst>
                     <a:ext uri="{9D8B030D-6E8A-4147-A177-3AD203B41FA5}">
-                      <a16:colId xmlns:a16="http://schemas.microsoft.com/office/drawing/2014/main" xmlns="" val="20000"/>
+                      <a16:colId xmlns:a16="http://schemas.microsoft.com/office/drawing/2014/main" val="20000"/>
                     </a:ext>
                   </a:extLst>
                 </a:gridCol>
                 <a:gridCol w="1971872">
                   <a:extLst>
                     <a:ext uri="{9D8B030D-6E8A-4147-A177-3AD203B41FA5}">
-                      <a16:colId xmlns:a16="http://schemas.microsoft.com/office/drawing/2014/main" xmlns="" val="20001"/>
+                      <a16:colId xmlns:a16="http://schemas.microsoft.com/office/drawing/2014/main" val="20001"/>
                     </a:ext>
                   </a:extLst>
                 </a:gridCol>
                 <a:gridCol w="3864501">
                   <a:extLst>
                     <a:ext uri="{9D8B030D-6E8A-4147-A177-3AD203B41FA5}">
-                      <a16:colId xmlns:a16="http://schemas.microsoft.com/office/drawing/2014/main" xmlns="" val="20002"/>
+                      <a16:colId xmlns:a16="http://schemas.microsoft.com/office/drawing/2014/main" val="20002"/>
                     </a:ext>
                   </a:extLst>
                 </a:gridCol>
@@ -33434,7 +33400,7 @@
                 </a:tc>
                 <a:extLst>
                   <a:ext uri="{0D108BD9-81ED-4DB2-BD59-A6C34878D82A}">
-                    <a16:rowId xmlns:a16="http://schemas.microsoft.com/office/drawing/2014/main" xmlns="" val="10000"/>
+                    <a16:rowId xmlns:a16="http://schemas.microsoft.com/office/drawing/2014/main" val="10000"/>
                   </a:ext>
                 </a:extLst>
               </a:tr>
@@ -34518,7 +34484,7 @@
                 <a:gridCol w="1884621">
                   <a:extLst>
                     <a:ext uri="{9D8B030D-6E8A-4147-A177-3AD203B41FA5}">
-                      <a16:colId xmlns:a16="http://schemas.microsoft.com/office/drawing/2014/main" xmlns="" val="20000"/>
+                      <a16:colId xmlns:a16="http://schemas.microsoft.com/office/drawing/2014/main" val="20000"/>
                     </a:ext>
                   </a:extLst>
                 </a:gridCol>
@@ -34553,7 +34519,7 @@
                 </a:tc>
                 <a:extLst>
                   <a:ext uri="{0D108BD9-81ED-4DB2-BD59-A6C34878D82A}">
-                    <a16:rowId xmlns:a16="http://schemas.microsoft.com/office/drawing/2014/main" xmlns="" val="10000"/>
+                    <a16:rowId xmlns:a16="http://schemas.microsoft.com/office/drawing/2014/main" val="10000"/>
                   </a:ext>
                 </a:extLst>
               </a:tr>
@@ -34589,7 +34555,7 @@
                 <a:gridCol w="2146057">
                   <a:extLst>
                     <a:ext uri="{9D8B030D-6E8A-4147-A177-3AD203B41FA5}">
-                      <a16:colId xmlns:a16="http://schemas.microsoft.com/office/drawing/2014/main" xmlns="" val="20000"/>
+                      <a16:colId xmlns:a16="http://schemas.microsoft.com/office/drawing/2014/main" val="20000"/>
                     </a:ext>
                   </a:extLst>
                 </a:gridCol>
@@ -34624,7 +34590,7 @@
                 </a:tc>
                 <a:extLst>
                   <a:ext uri="{0D108BD9-81ED-4DB2-BD59-A6C34878D82A}">
-                    <a16:rowId xmlns:a16="http://schemas.microsoft.com/office/drawing/2014/main" xmlns="" val="10000"/>
+                    <a16:rowId xmlns:a16="http://schemas.microsoft.com/office/drawing/2014/main" val="10000"/>
                   </a:ext>
                 </a:extLst>
               </a:tr>
@@ -34660,7 +34626,7 @@
                 <a:gridCol w="1598865">
                   <a:extLst>
                     <a:ext uri="{9D8B030D-6E8A-4147-A177-3AD203B41FA5}">
-                      <a16:colId xmlns:a16="http://schemas.microsoft.com/office/drawing/2014/main" xmlns="" val="20000"/>
+                      <a16:colId xmlns:a16="http://schemas.microsoft.com/office/drawing/2014/main" val="20000"/>
                     </a:ext>
                   </a:extLst>
                 </a:gridCol>
@@ -34695,7 +34661,7 @@
                 </a:tc>
                 <a:extLst>
                   <a:ext uri="{0D108BD9-81ED-4DB2-BD59-A6C34878D82A}">
-                    <a16:rowId xmlns:a16="http://schemas.microsoft.com/office/drawing/2014/main" xmlns="" val="10000"/>
+                    <a16:rowId xmlns:a16="http://schemas.microsoft.com/office/drawing/2014/main" val="10000"/>
                   </a:ext>
                 </a:extLst>
               </a:tr>
@@ -34769,7 +34735,7 @@
                 <a:gridCol w="2338108">
                   <a:extLst>
                     <a:ext uri="{9D8B030D-6E8A-4147-A177-3AD203B41FA5}">
-                      <a16:colId xmlns:a16="http://schemas.microsoft.com/office/drawing/2014/main" xmlns="" val="20000"/>
+                      <a16:colId xmlns:a16="http://schemas.microsoft.com/office/drawing/2014/main" val="20000"/>
                     </a:ext>
                   </a:extLst>
                 </a:gridCol>
@@ -34804,7 +34770,7 @@
                 </a:tc>
                 <a:extLst>
                   <a:ext uri="{0D108BD9-81ED-4DB2-BD59-A6C34878D82A}">
-                    <a16:rowId xmlns:a16="http://schemas.microsoft.com/office/drawing/2014/main" xmlns="" val="10000"/>
+                    <a16:rowId xmlns:a16="http://schemas.microsoft.com/office/drawing/2014/main" val="10000"/>
                   </a:ext>
                 </a:extLst>
               </a:tr>
@@ -35018,14 +34984,14 @@
                 <a:gridCol w="5431617">
                   <a:extLst>
                     <a:ext uri="{9D8B030D-6E8A-4147-A177-3AD203B41FA5}">
-                      <a16:colId xmlns:a16="http://schemas.microsoft.com/office/drawing/2014/main" xmlns="" val="1908171028"/>
+                      <a16:colId xmlns:a16="http://schemas.microsoft.com/office/drawing/2014/main" val="1908171028"/>
                     </a:ext>
                   </a:extLst>
                 </a:gridCol>
                 <a:gridCol w="1267229">
                   <a:extLst>
                     <a:ext uri="{9D8B030D-6E8A-4147-A177-3AD203B41FA5}">
-                      <a16:colId xmlns:a16="http://schemas.microsoft.com/office/drawing/2014/main" xmlns="" val="3500097369"/>
+                      <a16:colId xmlns:a16="http://schemas.microsoft.com/office/drawing/2014/main" val="3500097369"/>
                     </a:ext>
                   </a:extLst>
                 </a:gridCol>
@@ -35326,7 +35292,7 @@
                 </a:tc>
                 <a:extLst>
                   <a:ext uri="{0D108BD9-81ED-4DB2-BD59-A6C34878D82A}">
-                    <a16:rowId xmlns:a16="http://schemas.microsoft.com/office/drawing/2014/main" xmlns="" val="4174266385"/>
+                    <a16:rowId xmlns:a16="http://schemas.microsoft.com/office/drawing/2014/main" val="4174266385"/>
                   </a:ext>
                 </a:extLst>
               </a:tr>
@@ -35623,7 +35589,7 @@
                 </a:tc>
                 <a:extLst>
                   <a:ext uri="{0D108BD9-81ED-4DB2-BD59-A6C34878D82A}">
-                    <a16:rowId xmlns:a16="http://schemas.microsoft.com/office/drawing/2014/main" xmlns="" val="382788592"/>
+                    <a16:rowId xmlns:a16="http://schemas.microsoft.com/office/drawing/2014/main" val="382788592"/>
                   </a:ext>
                 </a:extLst>
               </a:tr>
@@ -35930,7 +35896,7 @@
                 </a:tc>
                 <a:extLst>
                   <a:ext uri="{0D108BD9-81ED-4DB2-BD59-A6C34878D82A}">
-                    <a16:rowId xmlns:a16="http://schemas.microsoft.com/office/drawing/2014/main" xmlns="" val="2749106390"/>
+                    <a16:rowId xmlns:a16="http://schemas.microsoft.com/office/drawing/2014/main" val="2749106390"/>
                   </a:ext>
                 </a:extLst>
               </a:tr>
@@ -36323,15 +36289,7 @@
                     <a:schemeClr val="tx1"/>
                   </a:solidFill>
                 </a:rPr>
-                <a:t>Can develop simple Java application to improve Android OS</a:t>
-              </a:r>
-              <a:r>
-                <a:rPr lang="en-US" sz="1400" dirty="0" smtClean="0">
-                  <a:solidFill>
-                    <a:schemeClr val="tx1"/>
-                  </a:solidFill>
-                </a:rPr>
-                <a:t>.</a:t>
+                <a:t>Can develop simple Java application to improve Android OS.</a:t>
               </a:r>
             </a:p>
             <a:p>
@@ -37094,16 +37052,7 @@
                   </a:solidFill>
                   <a:latin typeface="Arial (Body)"/>
                 </a:rPr>
-                <a:t> </a:t>
-              </a:r>
-              <a:r>
-                <a:rPr kumimoji="1" lang="en-US" sz="1400" dirty="0" smtClean="0">
-                  <a:solidFill>
-                    <a:schemeClr val="tx1"/>
-                  </a:solidFill>
-                  <a:latin typeface="Arial (Body)"/>
-                </a:rPr>
-                <a:t>Can </a:t>
+                <a:t> Can </a:t>
               </a:r>
               <a:r>
                 <a:rPr kumimoji="1" lang="en-US" sz="1400" b="1" dirty="0" smtClean="0">
@@ -37150,12 +37099,6 @@
                 </a:rPr>
                 <a:t>new members in their Android tasks.</a:t>
               </a:r>
-              <a:endParaRPr kumimoji="1" lang="en-US" sz="1400" dirty="0" smtClean="0">
-                <a:solidFill>
-                  <a:schemeClr val="tx1"/>
-                </a:solidFill>
-                <a:latin typeface="Arial (Body)"/>
-              </a:endParaRPr>
             </a:p>
           </p:txBody>
         </p:sp>
